--- a/img/diagrams2.pptx
+++ b/img/diagrams2.pptx
@@ -5,25 +5,24 @@
     <p:sldMasterId id="2147483672" r:id="rId1"/>
   </p:sldMasterIdLst>
   <p:notesMasterIdLst>
-    <p:notesMasterId r:id="rId13"/>
+    <p:notesMasterId r:id="rId12"/>
   </p:notesMasterIdLst>
   <p:sldIdLst>
-    <p:sldId id="256" r:id="rId2"/>
-    <p:sldId id="275" r:id="rId3"/>
-    <p:sldId id="277" r:id="rId4"/>
+    <p:sldId id="275" r:id="rId2"/>
+    <p:sldId id="277" r:id="rId3"/>
+    <p:sldId id="283" r:id="rId4"/>
     <p:sldId id="276" r:id="rId5"/>
     <p:sldId id="259" r:id="rId6"/>
-    <p:sldId id="282" r:id="rId7"/>
-    <p:sldId id="278" r:id="rId8"/>
-    <p:sldId id="279" r:id="rId9"/>
-    <p:sldId id="280" r:id="rId10"/>
-    <p:sldId id="281" r:id="rId11"/>
-    <p:sldId id="274" r:id="rId12"/>
+    <p:sldId id="278" r:id="rId7"/>
+    <p:sldId id="279" r:id="rId8"/>
+    <p:sldId id="280" r:id="rId9"/>
+    <p:sldId id="281" r:id="rId10"/>
+    <p:sldId id="284" r:id="rId11"/>
   </p:sldIdLst>
   <p:sldSz cx="12192000" cy="6858000"/>
   <p:notesSz cx="6858000" cy="9144000"/>
   <p:custDataLst>
-    <p:tags r:id="rId14"/>
+    <p:tags r:id="rId13"/>
   </p:custDataLst>
   <p:defaultTextStyle>
     <a:defPPr>
@@ -210,7 +209,7 @@
           <a:p>
             <a:fld id="{09ED6762-05EE-E240-93FC-804C3E536FC8}" type="datetimeFigureOut">
               <a:rPr lang="en-US" smtClean="0"/>
-              <a:t>3/5/21</a:t>
+              <a:t>3/6/21</a:t>
             </a:fld>
             <a:endParaRPr lang="en-US"/>
           </a:p>
@@ -521,7 +520,70 @@
           <a:bodyPr/>
           <a:lstStyle/>
           <a:p>
+            <a:pPr marL="0" marR="0" lvl="0" indent="0" algn="l" defTabSz="914400" rtl="0" eaLnBrk="1" fontAlgn="auto" latinLnBrk="0" hangingPunct="1">
+              <a:lnSpc>
+                <a:spcPct val="100000"/>
+              </a:lnSpc>
+              <a:spcBef>
+                <a:spcPts val="0"/>
+              </a:spcBef>
+              <a:spcAft>
+                <a:spcPts val="0"/>
+              </a:spcAft>
+              <a:buClrTx/>
+              <a:buSzTx/>
+              <a:buFontTx/>
+              <a:buNone/>
+              <a:tabLst/>
+              <a:defRPr/>
+            </a:pPr>
+            <a:r>
+              <a:rPr lang="en-US" dirty="0"/>
+              <a:t>Hi everyone, I’m back with another QWOP video. Since my last upload, a lot of people have been asking me why the bot wasn’t able to set a new record. why the student wasn’t able to surpass the teacher.</a:t>
+            </a:r>
+          </a:p>
+          <a:p>
+            <a:pPr marL="0" marR="0" lvl="0" indent="0" algn="l" defTabSz="914400" rtl="0" eaLnBrk="1" fontAlgn="auto" latinLnBrk="0" hangingPunct="1">
+              <a:lnSpc>
+                <a:spcPct val="100000"/>
+              </a:lnSpc>
+              <a:spcBef>
+                <a:spcPts val="0"/>
+              </a:spcBef>
+              <a:spcAft>
+                <a:spcPts val="0"/>
+              </a:spcAft>
+              <a:buClrTx/>
+              <a:buSzTx/>
+              <a:buFontTx/>
+              <a:buNone/>
+              <a:tabLst/>
+              <a:defRPr/>
+            </a:pPr>
             <a:endParaRPr lang="en-US" dirty="0"/>
+          </a:p>
+          <a:p>
+            <a:pPr marL="0" marR="0" lvl="0" indent="0" algn="l" defTabSz="914400" rtl="0" eaLnBrk="1" fontAlgn="auto" latinLnBrk="0" hangingPunct="1">
+              <a:lnSpc>
+                <a:spcPct val="100000"/>
+              </a:lnSpc>
+              <a:spcBef>
+                <a:spcPts val="0"/>
+              </a:spcBef>
+              <a:spcAft>
+                <a:spcPts val="0"/>
+              </a:spcAft>
+              <a:buClrTx/>
+              <a:buSzTx/>
+              <a:buFontTx/>
+              <a:buNone/>
+              <a:tabLst/>
+              <a:defRPr/>
+            </a:pPr>
+            <a:r>
+              <a:rPr lang="en-US" dirty="0"/>
+              <a:t>Well the answer is quite simple..</a:t>
+            </a:r>
           </a:p>
         </p:txBody>
       </p:sp>
@@ -551,7 +613,94 @@
     </p:spTree>
     <p:extLst>
       <p:ext uri="{BB962C8B-B14F-4D97-AF65-F5344CB8AC3E}">
-        <p14:creationId xmlns:p14="http://schemas.microsoft.com/office/powerpoint/2010/main" val="3728769122"/>
+        <p14:creationId xmlns:p14="http://schemas.microsoft.com/office/powerpoint/2010/main" val="3399858283"/>
+      </p:ext>
+    </p:extLst>
+  </p:cSld>
+  <p:clrMapOvr>
+    <a:masterClrMapping/>
+  </p:clrMapOvr>
+</p:notes>
+</file>
+
+<file path=ppt/notesSlides/notesSlide10.xml><?xml version="1.0" encoding="utf-8"?>
+<p:notes xmlns:a="http://schemas.openxmlformats.org/drawingml/2006/main" xmlns:r="http://schemas.openxmlformats.org/officeDocument/2006/relationships" xmlns:p="http://schemas.openxmlformats.org/presentationml/2006/main">
+  <p:cSld>
+    <p:spTree>
+      <p:nvGrpSpPr>
+        <p:cNvPr id="1" name=""/>
+        <p:cNvGrpSpPr/>
+        <p:nvPr/>
+      </p:nvGrpSpPr>
+      <p:grpSpPr>
+        <a:xfrm>
+          <a:off x="0" y="0"/>
+          <a:ext cx="0" cy="0"/>
+          <a:chOff x="0" y="0"/>
+          <a:chExt cx="0" cy="0"/>
+        </a:xfrm>
+      </p:grpSpPr>
+      <p:sp>
+        <p:nvSpPr>
+          <p:cNvPr id="2" name="Slide Image Placeholder 1"/>
+          <p:cNvSpPr>
+            <a:spLocks noGrp="1" noRot="1" noChangeAspect="1"/>
+          </p:cNvSpPr>
+          <p:nvPr>
+            <p:ph type="sldImg"/>
+          </p:nvPr>
+        </p:nvSpPr>
+        <p:spPr/>
+      </p:sp>
+      <p:sp>
+        <p:nvSpPr>
+          <p:cNvPr id="3" name="Notes Placeholder 2"/>
+          <p:cNvSpPr>
+            <a:spLocks noGrp="1"/>
+          </p:cNvSpPr>
+          <p:nvPr>
+            <p:ph type="body" idx="1"/>
+          </p:nvPr>
+        </p:nvSpPr>
+        <p:spPr/>
+        <p:txBody>
+          <a:bodyPr/>
+          <a:lstStyle/>
+          <a:p>
+            <a:r>
+              <a:rPr lang="en-US" dirty="0"/>
+              <a:t>And there you have it, yet another game where AI has surpassed humans. I hope you enjoyed this video. Leave any thoughts or questions in the comments below. I’ll leave you guys with some extra footage of the agent training.. cheers!</a:t>
+            </a:r>
+          </a:p>
+        </p:txBody>
+      </p:sp>
+      <p:sp>
+        <p:nvSpPr>
+          <p:cNvPr id="4" name="Slide Number Placeholder 3"/>
+          <p:cNvSpPr>
+            <a:spLocks noGrp="1"/>
+          </p:cNvSpPr>
+          <p:nvPr>
+            <p:ph type="sldNum" sz="quarter" idx="5"/>
+          </p:nvPr>
+        </p:nvSpPr>
+        <p:spPr/>
+        <p:txBody>
+          <a:bodyPr/>
+          <a:lstStyle/>
+          <a:p>
+            <a:fld id="{7CCFB541-7D2A-2B48-B081-CD35135E40FE}" type="slidenum">
+              <a:rPr lang="en-US" smtClean="0"/>
+              <a:t>10</a:t>
+            </a:fld>
+            <a:endParaRPr lang="en-US"/>
+          </a:p>
+        </p:txBody>
+      </p:sp>
+    </p:spTree>
+    <p:extLst>
+      <p:ext uri="{BB962C8B-B14F-4D97-AF65-F5344CB8AC3E}">
+        <p14:creationId xmlns:p14="http://schemas.microsoft.com/office/powerpoint/2010/main" val="1908091758"/>
       </p:ext>
     </p:extLst>
   </p:cSld>
@@ -605,24 +754,10 @@
           <a:bodyPr/>
           <a:lstStyle/>
           <a:p>
-            <a:pPr marL="0" marR="0" lvl="0" indent="0" algn="l" defTabSz="914400" rtl="0" eaLnBrk="1" fontAlgn="auto" latinLnBrk="0" hangingPunct="1">
-              <a:lnSpc>
-                <a:spcPct val="100000"/>
-              </a:lnSpc>
-              <a:spcBef>
-                <a:spcPts val="0"/>
-              </a:spcBef>
-              <a:spcAft>
-                <a:spcPts val="0"/>
-              </a:spcAft>
-              <a:buClrTx/>
-              <a:buSzTx/>
-              <a:buFontTx/>
-              <a:buNone/>
-              <a:tabLst/>
-              <a:defRPr/>
-            </a:pPr>
-            <a:endParaRPr lang="en-US" dirty="0"/>
+            <a:r>
+              <a:rPr lang="en-US" dirty="0"/>
+              <a:t>It’s because the agent was merely an infant. It was designed mostly for experimentation and learning new behaviors. But now that you guys asked for speed, I created a new agent that takes ACER’s behaviors and optimizes them for pure speed. Here it is in action and setting a new world record…</a:t>
+            </a:r>
           </a:p>
         </p:txBody>
       </p:sp>
@@ -643,7 +778,7 @@
           <a:p>
             <a:fld id="{7CCFB541-7D2A-2B48-B081-CD35135E40FE}" type="slidenum">
               <a:rPr lang="en-US" smtClean="0"/>
-              <a:t>5</a:t>
+              <a:t>2</a:t>
             </a:fld>
             <a:endParaRPr lang="en-US"/>
           </a:p>
@@ -652,7 +787,7 @@
     </p:spTree>
     <p:extLst>
       <p:ext uri="{BB962C8B-B14F-4D97-AF65-F5344CB8AC3E}">
-        <p14:creationId xmlns:p14="http://schemas.microsoft.com/office/powerpoint/2010/main" val="3754629641"/>
+        <p14:creationId xmlns:p14="http://schemas.microsoft.com/office/powerpoint/2010/main" val="987796661"/>
       </p:ext>
     </p:extLst>
   </p:cSld>
@@ -706,6 +841,215 @@
           <a:bodyPr/>
           <a:lstStyle/>
           <a:p>
+            <a:endParaRPr lang="en-US" dirty="0"/>
+          </a:p>
+        </p:txBody>
+      </p:sp>
+      <p:sp>
+        <p:nvSpPr>
+          <p:cNvPr id="4" name="Slide Number Placeholder 3"/>
+          <p:cNvSpPr>
+            <a:spLocks noGrp="1"/>
+          </p:cNvSpPr>
+          <p:nvPr>
+            <p:ph type="sldNum" sz="quarter" idx="5"/>
+          </p:nvPr>
+        </p:nvSpPr>
+        <p:spPr/>
+        <p:txBody>
+          <a:bodyPr/>
+          <a:lstStyle/>
+          <a:p>
+            <a:fld id="{7CCFB541-7D2A-2B48-B081-CD35135E40FE}" type="slidenum">
+              <a:rPr lang="en-US" smtClean="0"/>
+              <a:t>3</a:t>
+            </a:fld>
+            <a:endParaRPr lang="en-US"/>
+          </a:p>
+        </p:txBody>
+      </p:sp>
+    </p:spTree>
+    <p:extLst>
+      <p:ext uri="{BB962C8B-B14F-4D97-AF65-F5344CB8AC3E}">
+        <p14:creationId xmlns:p14="http://schemas.microsoft.com/office/powerpoint/2010/main" val="2759275795"/>
+      </p:ext>
+    </p:extLst>
+  </p:cSld>
+  <p:clrMapOvr>
+    <a:masterClrMapping/>
+  </p:clrMapOvr>
+</p:notes>
+</file>
+
+<file path=ppt/notesSlides/notesSlide4.xml><?xml version="1.0" encoding="utf-8"?>
+<p:notes xmlns:a="http://schemas.openxmlformats.org/drawingml/2006/main" xmlns:r="http://schemas.openxmlformats.org/officeDocument/2006/relationships" xmlns:p="http://schemas.openxmlformats.org/presentationml/2006/main">
+  <p:cSld>
+    <p:spTree>
+      <p:nvGrpSpPr>
+        <p:cNvPr id="1" name=""/>
+        <p:cNvGrpSpPr/>
+        <p:nvPr/>
+      </p:nvGrpSpPr>
+      <p:grpSpPr>
+        <a:xfrm>
+          <a:off x="0" y="0"/>
+          <a:ext cx="0" cy="0"/>
+          <a:chOff x="0" y="0"/>
+          <a:chExt cx="0" cy="0"/>
+        </a:xfrm>
+      </p:grpSpPr>
+      <p:sp>
+        <p:nvSpPr>
+          <p:cNvPr id="2" name="Slide Image Placeholder 1"/>
+          <p:cNvSpPr>
+            <a:spLocks noGrp="1" noRot="1" noChangeAspect="1"/>
+          </p:cNvSpPr>
+          <p:nvPr>
+            <p:ph type="sldImg"/>
+          </p:nvPr>
+        </p:nvSpPr>
+        <p:spPr/>
+      </p:sp>
+      <p:sp>
+        <p:nvSpPr>
+          <p:cNvPr id="3" name="Notes Placeholder 2"/>
+          <p:cNvSpPr>
+            <a:spLocks noGrp="1"/>
+          </p:cNvSpPr>
+          <p:nvPr>
+            <p:ph type="body" idx="1"/>
+          </p:nvPr>
+        </p:nvSpPr>
+        <p:spPr/>
+        <p:txBody>
+          <a:bodyPr/>
+          <a:lstStyle/>
+          <a:p>
+            <a:r>
+              <a:rPr lang="en-US" dirty="0"/>
+              <a:t>Now I’ll go through some of the tweaks I made to improve the agent’s speed.</a:t>
+            </a:r>
+          </a:p>
+          <a:p>
+            <a:endParaRPr lang="en-US" dirty="0"/>
+          </a:p>
+          <a:p>
+            <a:r>
+              <a:rPr lang="en-US" dirty="0"/>
+              <a:t>The first thing I did was to swap out the ACER algorithm for Prioritized DDQN. This is because DQN is much more sample efficient so it can quickly optimize the techniques already learned by ACER.</a:t>
+            </a:r>
+          </a:p>
+          <a:p>
+            <a:endParaRPr lang="en-US" dirty="0"/>
+          </a:p>
+          <a:p>
+            <a:endParaRPr lang="en-US" dirty="0"/>
+          </a:p>
+        </p:txBody>
+      </p:sp>
+      <p:sp>
+        <p:nvSpPr>
+          <p:cNvPr id="4" name="Slide Number Placeholder 3"/>
+          <p:cNvSpPr>
+            <a:spLocks noGrp="1"/>
+          </p:cNvSpPr>
+          <p:nvPr>
+            <p:ph type="sldNum" sz="quarter" idx="5"/>
+          </p:nvPr>
+        </p:nvSpPr>
+        <p:spPr/>
+        <p:txBody>
+          <a:bodyPr/>
+          <a:lstStyle/>
+          <a:p>
+            <a:fld id="{7CCFB541-7D2A-2B48-B081-CD35135E40FE}" type="slidenum">
+              <a:rPr lang="en-US" smtClean="0"/>
+              <a:t>4</a:t>
+            </a:fld>
+            <a:endParaRPr lang="en-US"/>
+          </a:p>
+        </p:txBody>
+      </p:sp>
+    </p:spTree>
+    <p:extLst>
+      <p:ext uri="{BB962C8B-B14F-4D97-AF65-F5344CB8AC3E}">
+        <p14:creationId xmlns:p14="http://schemas.microsoft.com/office/powerpoint/2010/main" val="3996040094"/>
+      </p:ext>
+    </p:extLst>
+  </p:cSld>
+  <p:clrMapOvr>
+    <a:masterClrMapping/>
+  </p:clrMapOvr>
+</p:notes>
+</file>
+
+<file path=ppt/notesSlides/notesSlide5.xml><?xml version="1.0" encoding="utf-8"?>
+<p:notes xmlns:a="http://schemas.openxmlformats.org/drawingml/2006/main" xmlns:r="http://schemas.openxmlformats.org/officeDocument/2006/relationships" xmlns:p="http://schemas.openxmlformats.org/presentationml/2006/main">
+  <p:cSld>
+    <p:spTree>
+      <p:nvGrpSpPr>
+        <p:cNvPr id="1" name=""/>
+        <p:cNvGrpSpPr/>
+        <p:nvPr/>
+      </p:nvGrpSpPr>
+      <p:grpSpPr>
+        <a:xfrm>
+          <a:off x="0" y="0"/>
+          <a:ext cx="0" cy="0"/>
+          <a:chOff x="0" y="0"/>
+          <a:chExt cx="0" cy="0"/>
+        </a:xfrm>
+      </p:grpSpPr>
+      <p:sp>
+        <p:nvSpPr>
+          <p:cNvPr id="2" name="Slide Image Placeholder 1"/>
+          <p:cNvSpPr>
+            <a:spLocks noGrp="1" noRot="1" noChangeAspect="1"/>
+          </p:cNvSpPr>
+          <p:nvPr>
+            <p:ph type="sldImg"/>
+          </p:nvPr>
+        </p:nvSpPr>
+        <p:spPr/>
+      </p:sp>
+      <p:sp>
+        <p:nvSpPr>
+          <p:cNvPr id="3" name="Notes Placeholder 2"/>
+          <p:cNvSpPr>
+            <a:spLocks noGrp="1"/>
+          </p:cNvSpPr>
+          <p:nvPr>
+            <p:ph type="body" idx="1"/>
+          </p:nvPr>
+        </p:nvSpPr>
+        <p:spPr/>
+        <p:txBody>
+          <a:bodyPr/>
+          <a:lstStyle/>
+          <a:p>
+            <a:pPr marL="0" marR="0" lvl="0" indent="0" algn="l" defTabSz="914400" rtl="0" eaLnBrk="1" fontAlgn="auto" latinLnBrk="0" hangingPunct="1">
+              <a:lnSpc>
+                <a:spcPct val="100000"/>
+              </a:lnSpc>
+              <a:spcBef>
+                <a:spcPts val="0"/>
+              </a:spcBef>
+              <a:spcAft>
+                <a:spcPts val="0"/>
+              </a:spcAft>
+              <a:buClrTx/>
+              <a:buSzTx/>
+              <a:buFontTx/>
+              <a:buNone/>
+              <a:tabLst/>
+              <a:defRPr/>
+            </a:pPr>
+            <a:r>
+              <a:rPr lang="en-US" dirty="0"/>
+              <a:t>Here are some papers that go through the key features of the algorithm, including Double Q-learning, Dueling Networks, and Prioritized Experience Replay.</a:t>
+            </a:r>
+          </a:p>
+          <a:p>
             <a:pPr marL="0" marR="0" lvl="0" indent="0" algn="l" defTabSz="914400" rtl="0" eaLnBrk="1" fontAlgn="auto" latinLnBrk="0" hangingPunct="1">
               <a:lnSpc>
                 <a:spcPct val="100000"/>
@@ -725,6 +1069,29 @@
             </a:pPr>
             <a:endParaRPr lang="en-US" dirty="0"/>
           </a:p>
+          <a:p>
+            <a:pPr marL="0" marR="0" lvl="0" indent="0" algn="l" defTabSz="914400" rtl="0" eaLnBrk="1" fontAlgn="auto" latinLnBrk="0" hangingPunct="1">
+              <a:lnSpc>
+                <a:spcPct val="100000"/>
+              </a:lnSpc>
+              <a:spcBef>
+                <a:spcPts val="0"/>
+              </a:spcBef>
+              <a:spcAft>
+                <a:spcPts val="0"/>
+              </a:spcAft>
+              <a:buClrTx/>
+              <a:buSzTx/>
+              <a:buFontTx/>
+              <a:buNone/>
+              <a:tabLst/>
+              <a:defRPr/>
+            </a:pPr>
+            <a:r>
+              <a:rPr lang="en-US" dirty="0"/>
+              <a:t>I’ll link these in the description below. I highly recommend checking them out, they’re much easier to read than the ACER paper. </a:t>
+            </a:r>
+          </a:p>
         </p:txBody>
       </p:sp>
       <p:sp>
@@ -744,7 +1111,7 @@
           <a:p>
             <a:fld id="{7CCFB541-7D2A-2B48-B081-CD35135E40FE}" type="slidenum">
               <a:rPr lang="en-US" smtClean="0"/>
-              <a:t>11</a:t>
+              <a:t>5</a:t>
             </a:fld>
             <a:endParaRPr lang="en-US"/>
           </a:p>
@@ -753,7 +1120,363 @@
     </p:spTree>
     <p:extLst>
       <p:ext uri="{BB962C8B-B14F-4D97-AF65-F5344CB8AC3E}">
-        <p14:creationId xmlns:p14="http://schemas.microsoft.com/office/powerpoint/2010/main" val="1512655696"/>
+        <p14:creationId xmlns:p14="http://schemas.microsoft.com/office/powerpoint/2010/main" val="3754629641"/>
+      </p:ext>
+    </p:extLst>
+  </p:cSld>
+  <p:clrMapOvr>
+    <a:masterClrMapping/>
+  </p:clrMapOvr>
+</p:notes>
+</file>
+
+<file path=ppt/notesSlides/notesSlide6.xml><?xml version="1.0" encoding="utf-8"?>
+<p:notes xmlns:a="http://schemas.openxmlformats.org/drawingml/2006/main" xmlns:r="http://schemas.openxmlformats.org/officeDocument/2006/relationships" xmlns:p="http://schemas.openxmlformats.org/presentationml/2006/main">
+  <p:cSld>
+    <p:spTree>
+      <p:nvGrpSpPr>
+        <p:cNvPr id="1" name=""/>
+        <p:cNvGrpSpPr/>
+        <p:nvPr/>
+      </p:nvGrpSpPr>
+      <p:grpSpPr>
+        <a:xfrm>
+          <a:off x="0" y="0"/>
+          <a:ext cx="0" cy="0"/>
+          <a:chOff x="0" y="0"/>
+          <a:chExt cx="0" cy="0"/>
+        </a:xfrm>
+      </p:grpSpPr>
+      <p:sp>
+        <p:nvSpPr>
+          <p:cNvPr id="2" name="Slide Image Placeholder 1"/>
+          <p:cNvSpPr>
+            <a:spLocks noGrp="1" noRot="1" noChangeAspect="1"/>
+          </p:cNvSpPr>
+          <p:nvPr>
+            <p:ph type="sldImg"/>
+          </p:nvPr>
+        </p:nvSpPr>
+        <p:spPr/>
+      </p:sp>
+      <p:sp>
+        <p:nvSpPr>
+          <p:cNvPr id="3" name="Notes Placeholder 2"/>
+          <p:cNvSpPr>
+            <a:spLocks noGrp="1"/>
+          </p:cNvSpPr>
+          <p:nvPr>
+            <p:ph type="body" idx="1"/>
+          </p:nvPr>
+        </p:nvSpPr>
+        <p:spPr/>
+        <p:txBody>
+          <a:bodyPr/>
+          <a:lstStyle/>
+          <a:p>
+            <a:r>
+              <a:rPr lang="en-US" dirty="0"/>
+              <a:t>Next, the reward function was modified. Previously it had a number of penalties including penalties for low torso height, vertical torso movement, and excessive knee bending. when the agent was just learning to stride, these helped stabilize its running technique. But now that it knows how to stride, I took the training wheels off and let it optimize purely for forward velocity. </a:t>
+            </a:r>
+          </a:p>
+        </p:txBody>
+      </p:sp>
+      <p:sp>
+        <p:nvSpPr>
+          <p:cNvPr id="4" name="Slide Number Placeholder 3"/>
+          <p:cNvSpPr>
+            <a:spLocks noGrp="1"/>
+          </p:cNvSpPr>
+          <p:nvPr>
+            <p:ph type="sldNum" sz="quarter" idx="5"/>
+          </p:nvPr>
+        </p:nvSpPr>
+        <p:spPr/>
+        <p:txBody>
+          <a:bodyPr/>
+          <a:lstStyle/>
+          <a:p>
+            <a:fld id="{7CCFB541-7D2A-2B48-B081-CD35135E40FE}" type="slidenum">
+              <a:rPr lang="en-US" smtClean="0"/>
+              <a:t>6</a:t>
+            </a:fld>
+            <a:endParaRPr lang="en-US"/>
+          </a:p>
+        </p:txBody>
+      </p:sp>
+    </p:spTree>
+    <p:extLst>
+      <p:ext uri="{BB962C8B-B14F-4D97-AF65-F5344CB8AC3E}">
+        <p14:creationId xmlns:p14="http://schemas.microsoft.com/office/powerpoint/2010/main" val="1676717778"/>
+      </p:ext>
+    </p:extLst>
+  </p:cSld>
+  <p:clrMapOvr>
+    <a:masterClrMapping/>
+  </p:clrMapOvr>
+</p:notes>
+</file>
+
+<file path=ppt/notesSlides/notesSlide7.xml><?xml version="1.0" encoding="utf-8"?>
+<p:notes xmlns:a="http://schemas.openxmlformats.org/drawingml/2006/main" xmlns:r="http://schemas.openxmlformats.org/officeDocument/2006/relationships" xmlns:p="http://schemas.openxmlformats.org/presentationml/2006/main">
+  <p:cSld>
+    <p:spTree>
+      <p:nvGrpSpPr>
+        <p:cNvPr id="1" name=""/>
+        <p:cNvGrpSpPr/>
+        <p:nvPr/>
+      </p:nvGrpSpPr>
+      <p:grpSpPr>
+        <a:xfrm>
+          <a:off x="0" y="0"/>
+          <a:ext cx="0" cy="0"/>
+          <a:chOff x="0" y="0"/>
+          <a:chExt cx="0" cy="0"/>
+        </a:xfrm>
+      </p:grpSpPr>
+      <p:sp>
+        <p:nvSpPr>
+          <p:cNvPr id="2" name="Slide Image Placeholder 1"/>
+          <p:cNvSpPr>
+            <a:spLocks noGrp="1" noRot="1" noChangeAspect="1"/>
+          </p:cNvSpPr>
+          <p:nvPr>
+            <p:ph type="sldImg"/>
+          </p:nvPr>
+        </p:nvSpPr>
+        <p:spPr/>
+      </p:sp>
+      <p:sp>
+        <p:nvSpPr>
+          <p:cNvPr id="3" name="Notes Placeholder 2"/>
+          <p:cNvSpPr>
+            <a:spLocks noGrp="1"/>
+          </p:cNvSpPr>
+          <p:nvPr>
+            <p:ph type="body" idx="1"/>
+          </p:nvPr>
+        </p:nvSpPr>
+        <p:spPr/>
+        <p:txBody>
+          <a:bodyPr/>
+          <a:lstStyle/>
+          <a:p>
+            <a:r>
+              <a:rPr lang="en-US" dirty="0"/>
+              <a:t>The effective framerate for both training and testing were also increased so that the agent could make more precise actions. </a:t>
+            </a:r>
+          </a:p>
+        </p:txBody>
+      </p:sp>
+      <p:sp>
+        <p:nvSpPr>
+          <p:cNvPr id="4" name="Slide Number Placeholder 3"/>
+          <p:cNvSpPr>
+            <a:spLocks noGrp="1"/>
+          </p:cNvSpPr>
+          <p:nvPr>
+            <p:ph type="sldNum" sz="quarter" idx="5"/>
+          </p:nvPr>
+        </p:nvSpPr>
+        <p:spPr/>
+        <p:txBody>
+          <a:bodyPr/>
+          <a:lstStyle/>
+          <a:p>
+            <a:fld id="{7CCFB541-7D2A-2B48-B081-CD35135E40FE}" type="slidenum">
+              <a:rPr lang="en-US" smtClean="0"/>
+              <a:t>7</a:t>
+            </a:fld>
+            <a:endParaRPr lang="en-US"/>
+          </a:p>
+        </p:txBody>
+      </p:sp>
+    </p:spTree>
+    <p:extLst>
+      <p:ext uri="{BB962C8B-B14F-4D97-AF65-F5344CB8AC3E}">
+        <p14:creationId xmlns:p14="http://schemas.microsoft.com/office/powerpoint/2010/main" val="2884178378"/>
+      </p:ext>
+    </p:extLst>
+  </p:cSld>
+  <p:clrMapOvr>
+    <a:masterClrMapping/>
+  </p:clrMapOvr>
+</p:notes>
+</file>
+
+<file path=ppt/notesSlides/notesSlide8.xml><?xml version="1.0" encoding="utf-8"?>
+<p:notes xmlns:a="http://schemas.openxmlformats.org/drawingml/2006/main" xmlns:r="http://schemas.openxmlformats.org/officeDocument/2006/relationships" xmlns:p="http://schemas.openxmlformats.org/presentationml/2006/main">
+  <p:cSld>
+    <p:spTree>
+      <p:nvGrpSpPr>
+        <p:cNvPr id="1" name=""/>
+        <p:cNvGrpSpPr/>
+        <p:nvPr/>
+      </p:nvGrpSpPr>
+      <p:grpSpPr>
+        <a:xfrm>
+          <a:off x="0" y="0"/>
+          <a:ext cx="0" cy="0"/>
+          <a:chOff x="0" y="0"/>
+          <a:chExt cx="0" cy="0"/>
+        </a:xfrm>
+      </p:grpSpPr>
+      <p:sp>
+        <p:nvSpPr>
+          <p:cNvPr id="2" name="Slide Image Placeholder 1"/>
+          <p:cNvSpPr>
+            <a:spLocks noGrp="1" noRot="1" noChangeAspect="1"/>
+          </p:cNvSpPr>
+          <p:nvPr>
+            <p:ph type="sldImg"/>
+          </p:nvPr>
+        </p:nvSpPr>
+        <p:spPr/>
+      </p:sp>
+      <p:sp>
+        <p:nvSpPr>
+          <p:cNvPr id="3" name="Notes Placeholder 2"/>
+          <p:cNvSpPr>
+            <a:spLocks noGrp="1"/>
+          </p:cNvSpPr>
+          <p:nvPr>
+            <p:ph type="body" idx="1"/>
+          </p:nvPr>
+        </p:nvSpPr>
+        <p:spPr/>
+        <p:txBody>
+          <a:bodyPr/>
+          <a:lstStyle/>
+          <a:p>
+            <a:r>
+              <a:rPr lang="en-US" dirty="0"/>
+              <a:t>The new agent was first pre-trained with ACER’s runs and then improved through self-learning. It did not do mixed memory training with </a:t>
+            </a:r>
+            <a:r>
+              <a:rPr lang="en-US" dirty="0" err="1"/>
+              <a:t>Kurodo’s</a:t>
+            </a:r>
+            <a:r>
+              <a:rPr lang="en-US" dirty="0"/>
+              <a:t> data like ACER did. </a:t>
+            </a:r>
+          </a:p>
+        </p:txBody>
+      </p:sp>
+      <p:sp>
+        <p:nvSpPr>
+          <p:cNvPr id="4" name="Slide Number Placeholder 3"/>
+          <p:cNvSpPr>
+            <a:spLocks noGrp="1"/>
+          </p:cNvSpPr>
+          <p:nvPr>
+            <p:ph type="sldNum" sz="quarter" idx="5"/>
+          </p:nvPr>
+        </p:nvSpPr>
+        <p:spPr/>
+        <p:txBody>
+          <a:bodyPr/>
+          <a:lstStyle/>
+          <a:p>
+            <a:fld id="{7CCFB541-7D2A-2B48-B081-CD35135E40FE}" type="slidenum">
+              <a:rPr lang="en-US" smtClean="0"/>
+              <a:t>8</a:t>
+            </a:fld>
+            <a:endParaRPr lang="en-US"/>
+          </a:p>
+        </p:txBody>
+      </p:sp>
+    </p:spTree>
+    <p:extLst>
+      <p:ext uri="{BB962C8B-B14F-4D97-AF65-F5344CB8AC3E}">
+        <p14:creationId xmlns:p14="http://schemas.microsoft.com/office/powerpoint/2010/main" val="1632106889"/>
+      </p:ext>
+    </p:extLst>
+  </p:cSld>
+  <p:clrMapOvr>
+    <a:masterClrMapping/>
+  </p:clrMapOvr>
+</p:notes>
+</file>
+
+<file path=ppt/notesSlides/notesSlide9.xml><?xml version="1.0" encoding="utf-8"?>
+<p:notes xmlns:a="http://schemas.openxmlformats.org/drawingml/2006/main" xmlns:r="http://schemas.openxmlformats.org/officeDocument/2006/relationships" xmlns:p="http://schemas.openxmlformats.org/presentationml/2006/main">
+  <p:cSld>
+    <p:spTree>
+      <p:nvGrpSpPr>
+        <p:cNvPr id="1" name=""/>
+        <p:cNvGrpSpPr/>
+        <p:nvPr/>
+      </p:nvGrpSpPr>
+      <p:grpSpPr>
+        <a:xfrm>
+          <a:off x="0" y="0"/>
+          <a:ext cx="0" cy="0"/>
+          <a:chOff x="0" y="0"/>
+          <a:chExt cx="0" cy="0"/>
+        </a:xfrm>
+      </p:grpSpPr>
+      <p:sp>
+        <p:nvSpPr>
+          <p:cNvPr id="2" name="Slide Image Placeholder 1"/>
+          <p:cNvSpPr>
+            <a:spLocks noGrp="1" noRot="1" noChangeAspect="1"/>
+          </p:cNvSpPr>
+          <p:nvPr>
+            <p:ph type="sldImg"/>
+          </p:nvPr>
+        </p:nvSpPr>
+        <p:spPr/>
+      </p:sp>
+      <p:sp>
+        <p:nvSpPr>
+          <p:cNvPr id="3" name="Notes Placeholder 2"/>
+          <p:cNvSpPr>
+            <a:spLocks noGrp="1"/>
+          </p:cNvSpPr>
+          <p:nvPr>
+            <p:ph type="body" idx="1"/>
+          </p:nvPr>
+        </p:nvSpPr>
+        <p:spPr/>
+        <p:txBody>
+          <a:bodyPr/>
+          <a:lstStyle/>
+          <a:p>
+            <a:r>
+              <a:rPr lang="en-US" dirty="0"/>
+              <a:t>It was trained for a total of 40 hours, of which all of it was self-learning except for a couple of minutes of pre-training.</a:t>
+            </a:r>
+          </a:p>
+        </p:txBody>
+      </p:sp>
+      <p:sp>
+        <p:nvSpPr>
+          <p:cNvPr id="4" name="Slide Number Placeholder 3"/>
+          <p:cNvSpPr>
+            <a:spLocks noGrp="1"/>
+          </p:cNvSpPr>
+          <p:nvPr>
+            <p:ph type="sldNum" sz="quarter" idx="5"/>
+          </p:nvPr>
+        </p:nvSpPr>
+        <p:spPr/>
+        <p:txBody>
+          <a:bodyPr/>
+          <a:lstStyle/>
+          <a:p>
+            <a:fld id="{7CCFB541-7D2A-2B48-B081-CD35135E40FE}" type="slidenum">
+              <a:rPr lang="en-US" smtClean="0"/>
+              <a:t>9</a:t>
+            </a:fld>
+            <a:endParaRPr lang="en-US"/>
+          </a:p>
+        </p:txBody>
+      </p:sp>
+    </p:spTree>
+    <p:extLst>
+      <p:ext uri="{BB962C8B-B14F-4D97-AF65-F5344CB8AC3E}">
+        <p14:creationId xmlns:p14="http://schemas.microsoft.com/office/powerpoint/2010/main" val="1721523213"/>
       </p:ext>
     </p:extLst>
   </p:cSld>
@@ -894,7 +1617,7 @@
           <a:p>
             <a:fld id="{144F1D63-3E91-49A9-9780-429C522EE701}" type="datetimeFigureOut">
               <a:rPr lang="en-US" smtClean="0"/>
-              <a:t>3/5/21</a:t>
+              <a:t>3/6/21</a:t>
             </a:fld>
             <a:endParaRPr lang="en-US"/>
           </a:p>
@@ -1064,7 +1787,7 @@
           <a:p>
             <a:fld id="{144F1D63-3E91-49A9-9780-429C522EE701}" type="datetimeFigureOut">
               <a:rPr lang="en-US" smtClean="0"/>
-              <a:t>3/5/21</a:t>
+              <a:t>3/6/21</a:t>
             </a:fld>
             <a:endParaRPr lang="en-US"/>
           </a:p>
@@ -1244,7 +1967,7 @@
           <a:p>
             <a:fld id="{144F1D63-3E91-49A9-9780-429C522EE701}" type="datetimeFigureOut">
               <a:rPr lang="en-US" smtClean="0"/>
-              <a:t>3/5/21</a:t>
+              <a:t>3/6/21</a:t>
             </a:fld>
             <a:endParaRPr lang="en-US"/>
           </a:p>
@@ -1414,7 +2137,7 @@
           <a:p>
             <a:fld id="{144F1D63-3E91-49A9-9780-429C522EE701}" type="datetimeFigureOut">
               <a:rPr lang="en-US" smtClean="0"/>
-              <a:t>3/5/21</a:t>
+              <a:t>3/6/21</a:t>
             </a:fld>
             <a:endParaRPr lang="en-US"/>
           </a:p>
@@ -1660,7 +2383,7 @@
           <a:p>
             <a:fld id="{144F1D63-3E91-49A9-9780-429C522EE701}" type="datetimeFigureOut">
               <a:rPr lang="en-US" smtClean="0"/>
-              <a:t>3/5/21</a:t>
+              <a:t>3/6/21</a:t>
             </a:fld>
             <a:endParaRPr lang="en-US"/>
           </a:p>
@@ -1892,7 +2615,7 @@
           <a:p>
             <a:fld id="{144F1D63-3E91-49A9-9780-429C522EE701}" type="datetimeFigureOut">
               <a:rPr lang="en-US" smtClean="0"/>
-              <a:t>3/5/21</a:t>
+              <a:t>3/6/21</a:t>
             </a:fld>
             <a:endParaRPr lang="en-US"/>
           </a:p>
@@ -2259,7 +2982,7 @@
           <a:p>
             <a:fld id="{144F1D63-3E91-49A9-9780-429C522EE701}" type="datetimeFigureOut">
               <a:rPr lang="en-US" smtClean="0"/>
-              <a:t>3/5/21</a:t>
+              <a:t>3/6/21</a:t>
             </a:fld>
             <a:endParaRPr lang="en-US"/>
           </a:p>
@@ -2377,7 +3100,7 @@
           <a:p>
             <a:fld id="{144F1D63-3E91-49A9-9780-429C522EE701}" type="datetimeFigureOut">
               <a:rPr lang="en-US" smtClean="0"/>
-              <a:t>3/5/21</a:t>
+              <a:t>3/6/21</a:t>
             </a:fld>
             <a:endParaRPr lang="en-US"/>
           </a:p>
@@ -2472,7 +3195,7 @@
           <a:p>
             <a:fld id="{144F1D63-3E91-49A9-9780-429C522EE701}" type="datetimeFigureOut">
               <a:rPr lang="en-US" smtClean="0"/>
-              <a:t>3/5/21</a:t>
+              <a:t>3/6/21</a:t>
             </a:fld>
             <a:endParaRPr lang="en-US"/>
           </a:p>
@@ -2749,7 +3472,7 @@
           <a:p>
             <a:fld id="{144F1D63-3E91-49A9-9780-429C522EE701}" type="datetimeFigureOut">
               <a:rPr lang="en-US" smtClean="0"/>
-              <a:t>3/5/21</a:t>
+              <a:t>3/6/21</a:t>
             </a:fld>
             <a:endParaRPr lang="en-US"/>
           </a:p>
@@ -3006,7 +3729,7 @@
           <a:p>
             <a:fld id="{144F1D63-3E91-49A9-9780-429C522EE701}" type="datetimeFigureOut">
               <a:rPr lang="en-US" smtClean="0"/>
-              <a:t>3/5/21</a:t>
+              <a:t>3/6/21</a:t>
             </a:fld>
             <a:endParaRPr lang="en-US"/>
           </a:p>
@@ -3219,7 +3942,7 @@
           <a:p>
             <a:fld id="{144F1D63-3E91-49A9-9780-429C522EE701}" type="datetimeFigureOut">
               <a:rPr lang="en-US" smtClean="0"/>
-              <a:t>3/5/21</a:t>
+              <a:t>3/6/21</a:t>
             </a:fld>
             <a:endParaRPr lang="en-US"/>
           </a:p>
@@ -3334,7 +4057,7 @@
           <a:graphicData uri="http://schemas.openxmlformats.org/presentationml/2006/ole">
             <mc:AlternateContent xmlns:mc="http://schemas.openxmlformats.org/markup-compatibility/2006">
               <mc:Choice xmlns:v="urn:schemas-microsoft-com:vml" Requires="v">
-                <p:oleObj spid="_x0000_s24677" name="think-cell Slide" r:id="rId15" imgW="7772400" imgH="10058400" progId="TCLayout.ActiveDocument.1">
+                <p:oleObj spid="_x0000_s24765" name="think-cell Slide" r:id="rId15" imgW="7772400" imgH="10058400" progId="TCLayout.ActiveDocument.1">
                   <p:embed/>
                 </p:oleObj>
               </mc:Choice>
@@ -3698,10 +4421,10 @@
       </p:grpSpPr>
       <p:graphicFrame>
         <p:nvGraphicFramePr>
-          <p:cNvPr id="4" name="Object 3" hidden="1">
+          <p:cNvPr id="6" name="Object 5" hidden="1">
             <a:extLst>
               <a:ext uri="{FF2B5EF4-FFF2-40B4-BE49-F238E27FC236}">
-                <a16:creationId xmlns:a16="http://schemas.microsoft.com/office/drawing/2014/main" id="{2CB0F646-4C3C-0142-95EC-D71B1EF208F2}"/>
+                <a16:creationId xmlns:a16="http://schemas.microsoft.com/office/drawing/2014/main" id="{D4EB9A6C-2560-0A42-9333-CFCCD6E83764}"/>
               </a:ext>
             </a:extLst>
           </p:cNvPr>
@@ -3714,7 +4437,7 @@
             </p:custDataLst>
             <p:extLst>
               <p:ext uri="{D42A27DB-BD31-4B8C-83A1-F6EECF244321}">
-                <p14:modId xmlns:p14="http://schemas.microsoft.com/office/powerpoint/2010/main" val="4268949456"/>
+                <p14:modId xmlns:p14="http://schemas.microsoft.com/office/powerpoint/2010/main" val="3318288358"/>
               </p:ext>
             </p:extLst>
           </p:nvPr>
@@ -3727,7 +4450,7 @@
           <a:graphicData uri="http://schemas.openxmlformats.org/presentationml/2006/ole">
             <mc:AlternateContent xmlns:mc="http://schemas.openxmlformats.org/markup-compatibility/2006">
               <mc:Choice xmlns:v="urn:schemas-microsoft-com:vml" Requires="v">
-                <p:oleObj spid="_x0000_s19581" name="think-cell Slide" r:id="rId5" imgW="7772400" imgH="10058400" progId="TCLayout.ActiveDocument.1">
+                <p:oleObj spid="_x0000_s48255" name="think-cell Slide" r:id="rId5" imgW="7772400" imgH="10058400" progId="TCLayout.ActiveDocument.1">
                   <p:embed/>
                 </p:oleObj>
               </mc:Choice>
@@ -3742,1347 +4465,6 @@
                     </p:nvPicPr>
                     <p:blipFill>
                       <a:blip r:embed="rId6"/>
-                      <a:stretch>
-                        <a:fillRect/>
-                      </a:stretch>
-                    </p:blipFill>
-                    <p:spPr>
-                      <a:xfrm>
-                        <a:off x="1588" y="1588"/>
-                        <a:ext cx="1227" cy="1588"/>
-                      </a:xfrm>
-                      <a:prstGeom prst="rect">
-                        <a:avLst/>
-                      </a:prstGeom>
-                    </p:spPr>
-                  </p:pic>
-                </p:oleObj>
-              </mc:Fallback>
-            </mc:AlternateContent>
-          </a:graphicData>
-        </a:graphic>
-      </p:graphicFrame>
-      <p:sp>
-        <p:nvSpPr>
-          <p:cNvPr id="2" name="Title 1">
-            <a:extLst>
-              <a:ext uri="{FF2B5EF4-FFF2-40B4-BE49-F238E27FC236}">
-                <a16:creationId xmlns:a16="http://schemas.microsoft.com/office/drawing/2014/main" id="{21BBB66C-AF75-4E66-8133-82AB7D206D25}"/>
-              </a:ext>
-            </a:extLst>
-          </p:cNvPr>
-          <p:cNvSpPr>
-            <a:spLocks noGrp="1"/>
-          </p:cNvSpPr>
-          <p:nvPr>
-            <p:ph type="ctrTitle"/>
-          </p:nvPr>
-        </p:nvSpPr>
-        <p:spPr/>
-        <p:txBody>
-          <a:bodyPr vert="horz"/>
-          <a:lstStyle/>
-          <a:p>
-            <a:r>
-              <a:rPr lang="en-US" dirty="0"/>
-              <a:t>[intro]</a:t>
-            </a:r>
-          </a:p>
-        </p:txBody>
-      </p:sp>
-      <p:sp>
-        <p:nvSpPr>
-          <p:cNvPr id="3" name="Subtitle 2">
-            <a:extLst>
-              <a:ext uri="{FF2B5EF4-FFF2-40B4-BE49-F238E27FC236}">
-                <a16:creationId xmlns:a16="http://schemas.microsoft.com/office/drawing/2014/main" id="{D52C0B9C-B6FE-468E-9051-3EF156B873A6}"/>
-              </a:ext>
-            </a:extLst>
-          </p:cNvPr>
-          <p:cNvSpPr>
-            <a:spLocks noGrp="1"/>
-          </p:cNvSpPr>
-          <p:nvPr>
-            <p:ph type="subTitle" idx="1"/>
-          </p:nvPr>
-        </p:nvSpPr>
-        <p:spPr/>
-        <p:txBody>
-          <a:bodyPr/>
-          <a:lstStyle/>
-          <a:p>
-            <a:endParaRPr lang="en-US"/>
-          </a:p>
-        </p:txBody>
-      </p:sp>
-    </p:spTree>
-    <p:extLst>
-      <p:ext uri="{BB962C8B-B14F-4D97-AF65-F5344CB8AC3E}">
-        <p14:creationId xmlns:p14="http://schemas.microsoft.com/office/powerpoint/2010/main" val="3016101598"/>
-      </p:ext>
-    </p:extLst>
-  </p:cSld>
-  <p:clrMapOvr>
-    <a:masterClrMapping/>
-  </p:clrMapOvr>
-</p:sld>
-</file>
-
-<file path=ppt/slides/slide10.xml><?xml version="1.0" encoding="utf-8"?>
-<p:sld xmlns:a="http://schemas.openxmlformats.org/drawingml/2006/main" xmlns:r="http://schemas.openxmlformats.org/officeDocument/2006/relationships" xmlns:p="http://schemas.openxmlformats.org/presentationml/2006/main">
-  <p:cSld>
-    <p:spTree>
-      <p:nvGrpSpPr>
-        <p:cNvPr id="1" name=""/>
-        <p:cNvGrpSpPr/>
-        <p:nvPr/>
-      </p:nvGrpSpPr>
-      <p:grpSpPr>
-        <a:xfrm>
-          <a:off x="0" y="0"/>
-          <a:ext cx="0" cy="0"/>
-          <a:chOff x="0" y="0"/>
-          <a:chExt cx="0" cy="0"/>
-        </a:xfrm>
-      </p:grpSpPr>
-      <p:graphicFrame>
-        <p:nvGraphicFramePr>
-          <p:cNvPr id="4" name="Object 3" hidden="1">
-            <a:extLst>
-              <a:ext uri="{FF2B5EF4-FFF2-40B4-BE49-F238E27FC236}">
-                <a16:creationId xmlns:a16="http://schemas.microsoft.com/office/drawing/2014/main" id="{D8258D3F-ECB1-BE4E-A14C-6FADCABE937F}"/>
-              </a:ext>
-            </a:extLst>
-          </p:cNvPr>
-          <p:cNvGraphicFramePr>
-            <a:graphicFrameLocks noChangeAspect="1"/>
-          </p:cNvGraphicFramePr>
-          <p:nvPr>
-            <p:custDataLst>
-              <p:tags r:id="rId2"/>
-            </p:custDataLst>
-          </p:nvPr>
-        </p:nvGraphicFramePr>
-        <p:xfrm>
-          <a:off x="1588" y="1588"/>
-          <a:ext cx="1227" cy="1588"/>
-        </p:xfrm>
-        <a:graphic>
-          <a:graphicData uri="http://schemas.openxmlformats.org/presentationml/2006/ole">
-            <mc:AlternateContent xmlns:mc="http://schemas.openxmlformats.org/markup-compatibility/2006">
-              <mc:Choice xmlns:v="urn:schemas-microsoft-com:vml" Requires="v">
-                <p:oleObj spid="_x0000_s56326" name="think-cell Slide" r:id="rId4" imgW="7772400" imgH="10058400" progId="TCLayout.ActiveDocument.1">
-                  <p:embed/>
-                </p:oleObj>
-              </mc:Choice>
-              <mc:Fallback>
-                <p:oleObj name="think-cell Slide" r:id="rId4" imgW="7772400" imgH="10058400" progId="TCLayout.ActiveDocument.1">
-                  <p:embed/>
-                  <p:pic>
-                    <p:nvPicPr>
-                      <p:cNvPr id="4" name="Object 3" hidden="1">
-                        <a:extLst>
-                          <a:ext uri="{FF2B5EF4-FFF2-40B4-BE49-F238E27FC236}">
-                            <a16:creationId xmlns:a16="http://schemas.microsoft.com/office/drawing/2014/main" id="{D8258D3F-ECB1-BE4E-A14C-6FADCABE937F}"/>
-                          </a:ext>
-                        </a:extLst>
-                      </p:cNvPr>
-                      <p:cNvPicPr/>
-                      <p:nvPr/>
-                    </p:nvPicPr>
-                    <p:blipFill>
-                      <a:blip r:embed="rId5"/>
-                      <a:stretch>
-                        <a:fillRect/>
-                      </a:stretch>
-                    </p:blipFill>
-                    <p:spPr>
-                      <a:xfrm>
-                        <a:off x="1588" y="1588"/>
-                        <a:ext cx="1227" cy="1588"/>
-                      </a:xfrm>
-                      <a:prstGeom prst="rect">
-                        <a:avLst/>
-                      </a:prstGeom>
-                    </p:spPr>
-                  </p:pic>
-                </p:oleObj>
-              </mc:Fallback>
-            </mc:AlternateContent>
-          </a:graphicData>
-        </a:graphic>
-      </p:graphicFrame>
-      <p:pic>
-        <p:nvPicPr>
-          <p:cNvPr id="47106" name="Picture 2" descr="baby penguin waddle penguins cute bird animal penguin GIF">
-            <a:extLst>
-              <a:ext uri="{FF2B5EF4-FFF2-40B4-BE49-F238E27FC236}">
-                <a16:creationId xmlns:a16="http://schemas.microsoft.com/office/drawing/2014/main" id="{B2B7E5E2-408B-D845-B8C3-DB3294E75375}"/>
-              </a:ext>
-            </a:extLst>
-          </p:cNvPr>
-          <p:cNvPicPr>
-            <a:picLocks noChangeAspect="1" noChangeArrowheads="1"/>
-          </p:cNvPicPr>
-          <p:nvPr/>
-        </p:nvPicPr>
-        <p:blipFill>
-          <a:blip r:embed="rId6">
-            <a:extLst>
-              <a:ext uri="{28A0092B-C50C-407E-A947-70E740481C1C}">
-                <a14:useLocalDpi xmlns:a14="http://schemas.microsoft.com/office/drawing/2010/main" val="0"/>
-              </a:ext>
-            </a:extLst>
-          </a:blip>
-          <a:srcRect/>
-          <a:stretch>
-            <a:fillRect/>
-          </a:stretch>
-        </p:blipFill>
-        <p:spPr bwMode="auto">
-          <a:xfrm>
-            <a:off x="4208117" y="446904"/>
-            <a:ext cx="1811683" cy="1356174"/>
-          </a:xfrm>
-          <a:prstGeom prst="rect">
-            <a:avLst/>
-          </a:prstGeom>
-          <a:noFill/>
-          <a:ln>
-            <a:solidFill>
-              <a:schemeClr val="tx1"/>
-            </a:solidFill>
-          </a:ln>
-          <a:extLst>
-            <a:ext uri="{909E8E84-426E-40DD-AFC4-6F175D3DCCD1}">
-              <a14:hiddenFill xmlns:a14="http://schemas.microsoft.com/office/drawing/2010/main">
-                <a:solidFill>
-                  <a:srgbClr val="FFFFFF"/>
-                </a:solidFill>
-              </a14:hiddenFill>
-            </a:ext>
-          </a:extLst>
-        </p:spPr>
-      </p:pic>
-      <p:graphicFrame>
-        <p:nvGraphicFramePr>
-          <p:cNvPr id="5" name="Table 5">
-            <a:extLst>
-              <a:ext uri="{FF2B5EF4-FFF2-40B4-BE49-F238E27FC236}">
-                <a16:creationId xmlns:a16="http://schemas.microsoft.com/office/drawing/2014/main" id="{DA230081-3EEA-6345-95CD-78D39516D8CD}"/>
-              </a:ext>
-            </a:extLst>
-          </p:cNvPr>
-          <p:cNvGraphicFramePr>
-            <a:graphicFrameLocks noGrp="1"/>
-          </p:cNvGraphicFramePr>
-          <p:nvPr>
-            <p:extLst>
-              <p:ext uri="{D42A27DB-BD31-4B8C-83A1-F6EECF244321}">
-                <p14:modId xmlns:p14="http://schemas.microsoft.com/office/powerpoint/2010/main" val="893809224"/>
-              </p:ext>
-            </p:extLst>
-          </p:nvPr>
-        </p:nvGraphicFramePr>
-        <p:xfrm>
-          <a:off x="939801" y="2040755"/>
-          <a:ext cx="10312398" cy="4567168"/>
-        </p:xfrm>
-        <a:graphic>
-          <a:graphicData uri="http://schemas.openxmlformats.org/drawingml/2006/table">
-            <a:tbl>
-              <a:tblPr firstRow="1" bandRow="1">
-                <a:tableStyleId>{C083E6E3-FA7D-4D7B-A595-EF9225AFEA82}</a:tableStyleId>
-              </a:tblPr>
-              <a:tblGrid>
-                <a:gridCol w="3136900">
-                  <a:extLst>
-                    <a:ext uri="{9D8B030D-6E8A-4147-A177-3AD203B41FA5}">
-                      <a16:colId xmlns:a16="http://schemas.microsoft.com/office/drawing/2014/main" val="1374774419"/>
-                    </a:ext>
-                  </a:extLst>
-                </a:gridCol>
-                <a:gridCol w="3738032">
-                  <a:extLst>
-                    <a:ext uri="{9D8B030D-6E8A-4147-A177-3AD203B41FA5}">
-                      <a16:colId xmlns:a16="http://schemas.microsoft.com/office/drawing/2014/main" val="2445321001"/>
-                    </a:ext>
-                  </a:extLst>
-                </a:gridCol>
-                <a:gridCol w="3437466">
-                  <a:extLst>
-                    <a:ext uri="{9D8B030D-6E8A-4147-A177-3AD203B41FA5}">
-                      <a16:colId xmlns:a16="http://schemas.microsoft.com/office/drawing/2014/main" val="1283430550"/>
-                    </a:ext>
-                  </a:extLst>
-                </a:gridCol>
-              </a:tblGrid>
-              <a:tr h="475574">
-                <a:tc>
-                  <a:txBody>
-                    <a:bodyPr/>
-                    <a:lstStyle/>
-                    <a:p>
-                      <a:endParaRPr lang="en-US" sz="2400" dirty="0">
-                        <a:solidFill>
-                          <a:schemeClr val="tx2"/>
-                        </a:solidFill>
-                        <a:latin typeface="Trebuchet MS" panose="020B0703020202090204" pitchFamily="34" charset="0"/>
-                      </a:endParaRPr>
-                    </a:p>
-                  </a:txBody>
-                  <a:tcPr anchor="ctr"/>
-                </a:tc>
-                <a:tc>
-                  <a:txBody>
-                    <a:bodyPr/>
-                    <a:lstStyle/>
-                    <a:p>
-                      <a:pPr algn="l"/>
-                      <a:r>
-                        <a:rPr lang="en-US" sz="2400" dirty="0">
-                          <a:solidFill>
-                            <a:schemeClr val="tx1"/>
-                          </a:solidFill>
-                          <a:latin typeface="Trebuchet MS" panose="020B0703020202090204" pitchFamily="34" charset="0"/>
-                        </a:rPr>
-                        <a:t>Old Agent</a:t>
-                      </a:r>
-                    </a:p>
-                  </a:txBody>
-                  <a:tcPr anchor="ctr"/>
-                </a:tc>
-                <a:tc>
-                  <a:txBody>
-                    <a:bodyPr/>
-                    <a:lstStyle/>
-                    <a:p>
-                      <a:pPr algn="l"/>
-                      <a:r>
-                        <a:rPr lang="en-US" sz="2400" dirty="0">
-                          <a:solidFill>
-                            <a:schemeClr val="tx1"/>
-                          </a:solidFill>
-                          <a:latin typeface="Trebuchet MS" panose="020B0703020202090204" pitchFamily="34" charset="0"/>
-                        </a:rPr>
-                        <a:t>New Agent</a:t>
-                      </a:r>
-                    </a:p>
-                  </a:txBody>
-                  <a:tcPr anchor="ctr"/>
-                </a:tc>
-                <a:extLst>
-                  <a:ext uri="{0D108BD9-81ED-4DB2-BD59-A6C34878D82A}">
-                    <a16:rowId xmlns:a16="http://schemas.microsoft.com/office/drawing/2014/main" val="4008060513"/>
-                  </a:ext>
-                </a:extLst>
-              </a:tr>
-              <a:tr h="444308">
-                <a:tc>
-                  <a:txBody>
-                    <a:bodyPr/>
-                    <a:lstStyle/>
-                    <a:p>
-                      <a:r>
-                        <a:rPr lang="en-US" sz="2400" dirty="0">
-                          <a:solidFill>
-                            <a:schemeClr val="accent1">
-                              <a:lumMod val="50000"/>
-                            </a:schemeClr>
-                          </a:solidFill>
-                          <a:latin typeface="Trebuchet MS" panose="020B0703020202090204" pitchFamily="34" charset="0"/>
-                        </a:rPr>
-                        <a:t>Algorithm</a:t>
-                      </a:r>
-                    </a:p>
-                  </a:txBody>
-                  <a:tcPr anchor="ctr">
-                    <a:noFill/>
-                  </a:tcPr>
-                </a:tc>
-                <a:tc>
-                  <a:txBody>
-                    <a:bodyPr/>
-                    <a:lstStyle/>
-                    <a:p>
-                      <a:r>
-                        <a:rPr lang="en-US" sz="2400" dirty="0">
-                          <a:solidFill>
-                            <a:schemeClr val="tx2"/>
-                          </a:solidFill>
-                          <a:latin typeface="Trebuchet MS" panose="020B0703020202090204" pitchFamily="34" charset="0"/>
-                        </a:rPr>
-                        <a:t>ACER</a:t>
-                      </a:r>
-                    </a:p>
-                  </a:txBody>
-                  <a:tcPr anchor="ctr">
-                    <a:noFill/>
-                  </a:tcPr>
-                </a:tc>
-                <a:tc>
-                  <a:txBody>
-                    <a:bodyPr/>
-                    <a:lstStyle/>
-                    <a:p>
-                      <a:r>
-                        <a:rPr lang="en-US" sz="2400" dirty="0">
-                          <a:solidFill>
-                            <a:schemeClr val="tx2"/>
-                          </a:solidFill>
-                          <a:latin typeface="Trebuchet MS" panose="020B0703020202090204" pitchFamily="34" charset="0"/>
-                        </a:rPr>
-                        <a:t>Prioritized DDQN</a:t>
-                      </a:r>
-                    </a:p>
-                  </a:txBody>
-                  <a:tcPr anchor="ctr">
-                    <a:noFill/>
-                  </a:tcPr>
-                </a:tc>
-                <a:extLst>
-                  <a:ext uri="{0D108BD9-81ED-4DB2-BD59-A6C34878D82A}">
-                    <a16:rowId xmlns:a16="http://schemas.microsoft.com/office/drawing/2014/main" val="1021160440"/>
-                  </a:ext>
-                </a:extLst>
-              </a:tr>
-              <a:tr h="1155201">
-                <a:tc>
-                  <a:txBody>
-                    <a:bodyPr/>
-                    <a:lstStyle/>
-                    <a:p>
-                      <a:r>
-                        <a:rPr lang="en-US" sz="2400" dirty="0">
-                          <a:solidFill>
-                            <a:schemeClr val="accent1">
-                              <a:lumMod val="50000"/>
-                            </a:schemeClr>
-                          </a:solidFill>
-                          <a:latin typeface="Trebuchet MS" panose="020B0703020202090204" pitchFamily="34" charset="0"/>
-                        </a:rPr>
-                        <a:t>Reward</a:t>
-                      </a:r>
-                    </a:p>
-                  </a:txBody>
-                  <a:tcPr anchor="ctr">
-                    <a:noFill/>
-                  </a:tcPr>
-                </a:tc>
-                <a:tc>
-                  <a:txBody>
-                    <a:bodyPr/>
-                    <a:lstStyle/>
-                    <a:p>
-                      <a:r>
-                        <a:rPr lang="en-US" sz="2400" dirty="0">
-                          <a:solidFill>
-                            <a:schemeClr val="tx2"/>
-                          </a:solidFill>
-                          <a:latin typeface="Trebuchet MS" panose="020B0703020202090204" pitchFamily="34" charset="0"/>
-                        </a:rPr>
-                        <a:t>Forward velocity</a:t>
-                      </a:r>
-                    </a:p>
-                    <a:p>
-                      <a:r>
-                        <a:rPr lang="en-US" sz="2400" dirty="0">
-                          <a:solidFill>
-                            <a:schemeClr val="tx2"/>
-                          </a:solidFill>
-                          <a:latin typeface="Trebuchet MS" panose="020B0703020202090204" pitchFamily="34" charset="0"/>
-                        </a:rPr>
-                        <a:t>Torso height penalty</a:t>
-                      </a:r>
-                    </a:p>
-                    <a:p>
-                      <a:r>
-                        <a:rPr lang="en-US" sz="2400" dirty="0">
-                          <a:solidFill>
-                            <a:schemeClr val="tx2"/>
-                          </a:solidFill>
-                          <a:latin typeface="Trebuchet MS" panose="020B0703020202090204" pitchFamily="34" charset="0"/>
-                        </a:rPr>
-                        <a:t>Torso bouncing penalty </a:t>
-                      </a:r>
-                    </a:p>
-                  </a:txBody>
-                  <a:tcPr anchor="ctr">
-                    <a:noFill/>
-                  </a:tcPr>
-                </a:tc>
-                <a:tc>
-                  <a:txBody>
-                    <a:bodyPr/>
-                    <a:lstStyle/>
-                    <a:p>
-                      <a:r>
-                        <a:rPr lang="en-US" sz="2400" dirty="0">
-                          <a:solidFill>
-                            <a:schemeClr val="tx2"/>
-                          </a:solidFill>
-                          <a:latin typeface="Trebuchet MS" panose="020B0703020202090204" pitchFamily="34" charset="0"/>
-                        </a:rPr>
-                        <a:t>Forward velocity</a:t>
-                      </a:r>
-                    </a:p>
-                  </a:txBody>
-                  <a:tcPr anchor="ctr">
-                    <a:noFill/>
-                  </a:tcPr>
-                </a:tc>
-                <a:extLst>
-                  <a:ext uri="{0D108BD9-81ED-4DB2-BD59-A6C34878D82A}">
-                    <a16:rowId xmlns:a16="http://schemas.microsoft.com/office/drawing/2014/main" val="3619127957"/>
-                  </a:ext>
-                </a:extLst>
-              </a:tr>
-              <a:tr h="799754">
-                <a:tc>
-                  <a:txBody>
-                    <a:bodyPr/>
-                    <a:lstStyle/>
-                    <a:p>
-                      <a:r>
-                        <a:rPr lang="en-US" sz="2400" dirty="0">
-                          <a:solidFill>
-                            <a:schemeClr val="accent1">
-                              <a:lumMod val="50000"/>
-                            </a:schemeClr>
-                          </a:solidFill>
-                          <a:latin typeface="Trebuchet MS" panose="020B0703020202090204" pitchFamily="34" charset="0"/>
-                        </a:rPr>
-                        <a:t>Actions per second</a:t>
-                      </a:r>
-                    </a:p>
-                  </a:txBody>
-                  <a:tcPr anchor="ctr">
-                    <a:noFill/>
-                  </a:tcPr>
-                </a:tc>
-                <a:tc>
-                  <a:txBody>
-                    <a:bodyPr/>
-                    <a:lstStyle/>
-                    <a:p>
-                      <a:r>
-                        <a:rPr lang="en-US" sz="2400" dirty="0">
-                          <a:solidFill>
-                            <a:schemeClr val="tx2"/>
-                          </a:solidFill>
-                          <a:latin typeface="Trebuchet MS" panose="020B0703020202090204" pitchFamily="34" charset="0"/>
-                        </a:rPr>
-                        <a:t>~9 </a:t>
-                      </a:r>
-                    </a:p>
-                  </a:txBody>
-                  <a:tcPr anchor="ctr">
-                    <a:noFill/>
-                  </a:tcPr>
-                </a:tc>
-                <a:tc>
-                  <a:txBody>
-                    <a:bodyPr/>
-                    <a:lstStyle/>
-                    <a:p>
-                      <a:r>
-                        <a:rPr lang="en-US" sz="2400" dirty="0">
-                          <a:solidFill>
-                            <a:schemeClr val="tx2"/>
-                          </a:solidFill>
-                          <a:latin typeface="Trebuchet MS" panose="020B0703020202090204" pitchFamily="34" charset="0"/>
-                        </a:rPr>
-                        <a:t>Training: ~18</a:t>
-                      </a:r>
-                    </a:p>
-                    <a:p>
-                      <a:r>
-                        <a:rPr lang="en-US" sz="2400" dirty="0">
-                          <a:solidFill>
-                            <a:schemeClr val="tx2"/>
-                          </a:solidFill>
-                          <a:latin typeface="Trebuchet MS" panose="020B0703020202090204" pitchFamily="34" charset="0"/>
-                        </a:rPr>
-                        <a:t>Testing: ~25</a:t>
-                      </a:r>
-                    </a:p>
-                  </a:txBody>
-                  <a:tcPr anchor="ctr">
-                    <a:noFill/>
-                  </a:tcPr>
-                </a:tc>
-                <a:extLst>
-                  <a:ext uri="{0D108BD9-81ED-4DB2-BD59-A6C34878D82A}">
-                    <a16:rowId xmlns:a16="http://schemas.microsoft.com/office/drawing/2014/main" val="3393457836"/>
-                  </a:ext>
-                </a:extLst>
-              </a:tr>
-              <a:tr h="799754">
-                <a:tc>
-                  <a:txBody>
-                    <a:bodyPr/>
-                    <a:lstStyle/>
-                    <a:p>
-                      <a:r>
-                        <a:rPr lang="en-US" sz="2400" dirty="0">
-                          <a:solidFill>
-                            <a:schemeClr val="accent1">
-                              <a:lumMod val="50000"/>
-                            </a:schemeClr>
-                          </a:solidFill>
-                          <a:latin typeface="Trebuchet MS" panose="020B0703020202090204" pitchFamily="34" charset="0"/>
-                        </a:rPr>
-                        <a:t>Learning</a:t>
-                      </a:r>
-                    </a:p>
-                  </a:txBody>
-                  <a:tcPr anchor="ctr">
-                    <a:noFill/>
-                  </a:tcPr>
-                </a:tc>
-                <a:tc>
-                  <a:txBody>
-                    <a:bodyPr/>
-                    <a:lstStyle/>
-                    <a:p>
-                      <a:r>
-                        <a:rPr lang="en-US" sz="2400" dirty="0" err="1">
-                          <a:solidFill>
-                            <a:schemeClr val="tx2"/>
-                          </a:solidFill>
-                          <a:latin typeface="Trebuchet MS" panose="020B0703020202090204" pitchFamily="34" charset="0"/>
-                        </a:rPr>
-                        <a:t>Kurodo’s</a:t>
-                      </a:r>
-                      <a:r>
-                        <a:rPr lang="en-US" sz="2400" dirty="0">
-                          <a:solidFill>
-                            <a:schemeClr val="tx2"/>
-                          </a:solidFill>
-                          <a:latin typeface="Trebuchet MS" panose="020B0703020202090204" pitchFamily="34" charset="0"/>
-                        </a:rPr>
-                        <a:t> runs</a:t>
-                      </a:r>
-                    </a:p>
-                    <a:p>
-                      <a:r>
-                        <a:rPr lang="en-US" sz="2400" dirty="0">
-                          <a:solidFill>
-                            <a:schemeClr val="tx2"/>
-                          </a:solidFill>
-                          <a:latin typeface="Trebuchet MS" panose="020B0703020202090204" pitchFamily="34" charset="0"/>
-                        </a:rPr>
-                        <a:t>Self-learning</a:t>
-                      </a:r>
-                    </a:p>
-                  </a:txBody>
-                  <a:tcPr anchor="ctr">
-                    <a:noFill/>
-                  </a:tcPr>
-                </a:tc>
-                <a:tc>
-                  <a:txBody>
-                    <a:bodyPr/>
-                    <a:lstStyle/>
-                    <a:p>
-                      <a:r>
-                        <a:rPr lang="en-US" sz="2400" dirty="0">
-                          <a:solidFill>
-                            <a:schemeClr val="tx2"/>
-                          </a:solidFill>
-                          <a:latin typeface="Trebuchet MS" panose="020B0703020202090204" pitchFamily="34" charset="0"/>
-                        </a:rPr>
-                        <a:t>ACER’s runs</a:t>
-                      </a:r>
-                    </a:p>
-                    <a:p>
-                      <a:r>
-                        <a:rPr lang="en-US" sz="2400" dirty="0">
-                          <a:solidFill>
-                            <a:schemeClr val="tx2"/>
-                          </a:solidFill>
-                          <a:latin typeface="Trebuchet MS" panose="020B0703020202090204" pitchFamily="34" charset="0"/>
-                        </a:rPr>
-                        <a:t>Self-learning</a:t>
-                      </a:r>
-                    </a:p>
-                  </a:txBody>
-                  <a:tcPr anchor="ctr">
-                    <a:noFill/>
-                  </a:tcPr>
-                </a:tc>
-                <a:extLst>
-                  <a:ext uri="{0D108BD9-81ED-4DB2-BD59-A6C34878D82A}">
-                    <a16:rowId xmlns:a16="http://schemas.microsoft.com/office/drawing/2014/main" val="1440210217"/>
-                  </a:ext>
-                </a:extLst>
-              </a:tr>
-              <a:tr h="799754">
-                <a:tc>
-                  <a:txBody>
-                    <a:bodyPr/>
-                    <a:lstStyle/>
-                    <a:p>
-                      <a:r>
-                        <a:rPr lang="en-US" sz="2400" dirty="0">
-                          <a:solidFill>
-                            <a:schemeClr val="accent1">
-                              <a:lumMod val="50000"/>
-                            </a:schemeClr>
-                          </a:solidFill>
-                          <a:latin typeface="Trebuchet MS" panose="020B0703020202090204" pitchFamily="34" charset="0"/>
-                        </a:rPr>
-                        <a:t>Training time</a:t>
-                      </a:r>
-                    </a:p>
-                  </a:txBody>
-                  <a:tcPr anchor="ctr">
-                    <a:solidFill>
-                      <a:schemeClr val="accent4">
-                        <a:lumMod val="20000"/>
-                        <a:lumOff val="80000"/>
-                      </a:schemeClr>
-                    </a:solidFill>
-                  </a:tcPr>
-                </a:tc>
-                <a:tc>
-                  <a:txBody>
-                    <a:bodyPr/>
-                    <a:lstStyle/>
-                    <a:p>
-                      <a:r>
-                        <a:rPr lang="en-US" sz="2400" dirty="0">
-                          <a:solidFill>
-                            <a:schemeClr val="tx2"/>
-                          </a:solidFill>
-                          <a:latin typeface="Trebuchet MS" panose="020B0703020202090204" pitchFamily="34" charset="0"/>
-                        </a:rPr>
-                        <a:t>~65 hours</a:t>
-                      </a:r>
-                    </a:p>
-                  </a:txBody>
-                  <a:tcPr anchor="ctr">
-                    <a:solidFill>
-                      <a:schemeClr val="accent4">
-                        <a:lumMod val="20000"/>
-                        <a:lumOff val="80000"/>
-                      </a:schemeClr>
-                    </a:solidFill>
-                  </a:tcPr>
-                </a:tc>
-                <a:tc>
-                  <a:txBody>
-                    <a:bodyPr/>
-                    <a:lstStyle/>
-                    <a:p>
-                      <a:r>
-                        <a:rPr lang="en-US" sz="2400" dirty="0">
-                          <a:solidFill>
-                            <a:schemeClr val="tx2"/>
-                          </a:solidFill>
-                          <a:latin typeface="Trebuchet MS" panose="020B0703020202090204" pitchFamily="34" charset="0"/>
-                        </a:rPr>
-                        <a:t>~40 hours</a:t>
-                      </a:r>
-                    </a:p>
-                  </a:txBody>
-                  <a:tcPr anchor="ctr">
-                    <a:solidFill>
-                      <a:schemeClr val="accent4">
-                        <a:lumMod val="20000"/>
-                        <a:lumOff val="80000"/>
-                      </a:schemeClr>
-                    </a:solidFill>
-                  </a:tcPr>
-                </a:tc>
-                <a:extLst>
-                  <a:ext uri="{0D108BD9-81ED-4DB2-BD59-A6C34878D82A}">
-                    <a16:rowId xmlns:a16="http://schemas.microsoft.com/office/drawing/2014/main" val="1344373920"/>
-                  </a:ext>
-                </a:extLst>
-              </a:tr>
-            </a:tbl>
-          </a:graphicData>
-        </a:graphic>
-      </p:graphicFrame>
-      <p:pic>
-        <p:nvPicPr>
-          <p:cNvPr id="47139" name="Picture 35" descr="Naruto Run GIFs - Get the best GIF on GIPHY">
-            <a:extLst>
-              <a:ext uri="{FF2B5EF4-FFF2-40B4-BE49-F238E27FC236}">
-                <a16:creationId xmlns:a16="http://schemas.microsoft.com/office/drawing/2014/main" id="{B0814E8B-90FB-6244-8632-317809D239D9}"/>
-              </a:ext>
-            </a:extLst>
-          </p:cNvPr>
-          <p:cNvPicPr>
-            <a:picLocks noChangeAspect="1" noChangeArrowheads="1"/>
-          </p:cNvPicPr>
-          <p:nvPr/>
-        </p:nvPicPr>
-        <p:blipFill rotWithShape="1">
-          <a:blip r:embed="rId7">
-            <a:extLst>
-              <a:ext uri="{28A0092B-C50C-407E-A947-70E740481C1C}">
-                <a14:useLocalDpi xmlns:a14="http://schemas.microsoft.com/office/drawing/2010/main" val="0"/>
-              </a:ext>
-            </a:extLst>
-          </a:blip>
-          <a:srcRect l="13603" r="11357"/>
-          <a:stretch/>
-        </p:blipFill>
-        <p:spPr bwMode="auto">
-          <a:xfrm flipH="1">
-            <a:off x="7924800" y="451404"/>
-            <a:ext cx="2146300" cy="1345960"/>
-          </a:xfrm>
-          <a:prstGeom prst="rect">
-            <a:avLst/>
-          </a:prstGeom>
-          <a:noFill/>
-          <a:ln>
-            <a:solidFill>
-              <a:schemeClr val="tx1"/>
-            </a:solidFill>
-          </a:ln>
-          <a:extLst>
-            <a:ext uri="{909E8E84-426E-40DD-AFC4-6F175D3DCCD1}">
-              <a14:hiddenFill xmlns:a14="http://schemas.microsoft.com/office/drawing/2010/main">
-                <a:solidFill>
-                  <a:srgbClr val="FFFFFF"/>
-                </a:solidFill>
-              </a14:hiddenFill>
-            </a:ext>
-          </a:extLst>
-        </p:spPr>
-      </p:pic>
-    </p:spTree>
-    <p:extLst>
-      <p:ext uri="{BB962C8B-B14F-4D97-AF65-F5344CB8AC3E}">
-        <p14:creationId xmlns:p14="http://schemas.microsoft.com/office/powerpoint/2010/main" val="1224868503"/>
-      </p:ext>
-    </p:extLst>
-  </p:cSld>
-  <p:clrMapOvr>
-    <a:masterClrMapping/>
-  </p:clrMapOvr>
-</p:sld>
-</file>
-
-<file path=ppt/slides/slide11.xml><?xml version="1.0" encoding="utf-8"?>
-<p:sld xmlns:a="http://schemas.openxmlformats.org/drawingml/2006/main" xmlns:r="http://schemas.openxmlformats.org/officeDocument/2006/relationships" xmlns:p="http://schemas.openxmlformats.org/presentationml/2006/main">
-  <p:cSld>
-    <p:spTree>
-      <p:nvGrpSpPr>
-        <p:cNvPr id="1" name=""/>
-        <p:cNvGrpSpPr/>
-        <p:nvPr/>
-      </p:nvGrpSpPr>
-      <p:grpSpPr>
-        <a:xfrm>
-          <a:off x="0" y="0"/>
-          <a:ext cx="0" cy="0"/>
-          <a:chOff x="0" y="0"/>
-          <a:chExt cx="0" cy="0"/>
-        </a:xfrm>
-      </p:grpSpPr>
-      <p:graphicFrame>
-        <p:nvGraphicFramePr>
-          <p:cNvPr id="5" name="Object 4" hidden="1">
-            <a:extLst>
-              <a:ext uri="{FF2B5EF4-FFF2-40B4-BE49-F238E27FC236}">
-                <a16:creationId xmlns:a16="http://schemas.microsoft.com/office/drawing/2014/main" id="{295B7A49-B1F9-3440-BEF3-A3429E870CCD}"/>
-              </a:ext>
-            </a:extLst>
-          </p:cNvPr>
-          <p:cNvGraphicFramePr>
-            <a:graphicFrameLocks noChangeAspect="1"/>
-          </p:cNvGraphicFramePr>
-          <p:nvPr>
-            <p:custDataLst>
-              <p:tags r:id="rId2"/>
-            </p:custDataLst>
-            <p:extLst>
-              <p:ext uri="{D42A27DB-BD31-4B8C-83A1-F6EECF244321}">
-                <p14:modId xmlns:p14="http://schemas.microsoft.com/office/powerpoint/2010/main" val="1904572573"/>
-              </p:ext>
-            </p:extLst>
-          </p:nvPr>
-        </p:nvGraphicFramePr>
-        <p:xfrm>
-          <a:off x="1588" y="1588"/>
-          <a:ext cx="1227" cy="1588"/>
-        </p:xfrm>
-        <a:graphic>
-          <a:graphicData uri="http://schemas.openxmlformats.org/presentationml/2006/ole">
-            <mc:AlternateContent xmlns:mc="http://schemas.openxmlformats.org/markup-compatibility/2006">
-              <mc:Choice xmlns:v="urn:schemas-microsoft-com:vml" Requires="v">
-                <p:oleObj spid="_x0000_s17538" name="think-cell Slide" r:id="rId5" imgW="7772400" imgH="10058400" progId="TCLayout.ActiveDocument.1">
-                  <p:embed/>
-                </p:oleObj>
-              </mc:Choice>
-              <mc:Fallback>
-                <p:oleObj name="think-cell Slide" r:id="rId5" imgW="7772400" imgH="10058400" progId="TCLayout.ActiveDocument.1">
-                  <p:embed/>
-                  <p:pic>
-                    <p:nvPicPr>
-                      <p:cNvPr id="0" name=""/>
-                      <p:cNvPicPr/>
-                      <p:nvPr/>
-                    </p:nvPicPr>
-                    <p:blipFill>
-                      <a:blip r:embed="rId6"/>
-                      <a:stretch>
-                        <a:fillRect/>
-                      </a:stretch>
-                    </p:blipFill>
-                    <p:spPr>
-                      <a:xfrm>
-                        <a:off x="1588" y="1588"/>
-                        <a:ext cx="1227" cy="1588"/>
-                      </a:xfrm>
-                      <a:prstGeom prst="rect">
-                        <a:avLst/>
-                      </a:prstGeom>
-                    </p:spPr>
-                  </p:pic>
-                </p:oleObj>
-              </mc:Fallback>
-            </mc:AlternateContent>
-          </a:graphicData>
-        </a:graphic>
-      </p:graphicFrame>
-      <p:graphicFrame>
-        <p:nvGraphicFramePr>
-          <p:cNvPr id="8" name="Table 8">
-            <a:extLst>
-              <a:ext uri="{FF2B5EF4-FFF2-40B4-BE49-F238E27FC236}">
-                <a16:creationId xmlns:a16="http://schemas.microsoft.com/office/drawing/2014/main" id="{B28D327A-179E-7745-801A-AA0CF303C941}"/>
-              </a:ext>
-            </a:extLst>
-          </p:cNvPr>
-          <p:cNvGraphicFramePr>
-            <a:graphicFrameLocks noGrp="1"/>
-          </p:cNvGraphicFramePr>
-          <p:nvPr>
-            <p:extLst>
-              <p:ext uri="{D42A27DB-BD31-4B8C-83A1-F6EECF244321}">
-                <p14:modId xmlns:p14="http://schemas.microsoft.com/office/powerpoint/2010/main" val="3456362893"/>
-              </p:ext>
-            </p:extLst>
-          </p:nvPr>
-        </p:nvGraphicFramePr>
-        <p:xfrm>
-          <a:off x="590107" y="1567760"/>
-          <a:ext cx="11011786" cy="3528888"/>
-        </p:xfrm>
-        <a:graphic>
-          <a:graphicData uri="http://schemas.openxmlformats.org/drawingml/2006/table">
-            <a:tbl>
-              <a:tblPr firstRow="1" bandRow="1">
-                <a:tableStyleId>{8A107856-5554-42FB-B03E-39F5DBC370BA}</a:tableStyleId>
-              </a:tblPr>
-              <a:tblGrid>
-                <a:gridCol w="9128051">
-                  <a:extLst>
-                    <a:ext uri="{9D8B030D-6E8A-4147-A177-3AD203B41FA5}">
-                      <a16:colId xmlns:a16="http://schemas.microsoft.com/office/drawing/2014/main" val="835129561"/>
-                    </a:ext>
-                  </a:extLst>
-                </a:gridCol>
-                <a:gridCol w="1883735">
-                  <a:extLst>
-                    <a:ext uri="{9D8B030D-6E8A-4147-A177-3AD203B41FA5}">
-                      <a16:colId xmlns:a16="http://schemas.microsoft.com/office/drawing/2014/main" val="3828745575"/>
-                    </a:ext>
-                  </a:extLst>
-                </a:gridCol>
-              </a:tblGrid>
-              <a:tr h="1176296">
-                <a:tc>
-                  <a:txBody>
-                    <a:bodyPr/>
-                    <a:lstStyle/>
-                    <a:p>
-                      <a:r>
-                        <a:rPr lang="en-US" sz="3200" b="0" dirty="0">
-                          <a:solidFill>
-                            <a:schemeClr val="accent6"/>
-                          </a:solidFill>
-                          <a:latin typeface="Trebuchet MS" panose="020B0703020202090204" pitchFamily="34" charset="0"/>
-                        </a:rPr>
-                        <a:t>Pre-training with ACER’s data</a:t>
-                      </a:r>
-                    </a:p>
-                  </a:txBody>
-                  <a:tcPr anchor="ctr">
-                    <a:lnL w="12700" cmpd="sng">
-                      <a:noFill/>
-                    </a:lnL>
-                    <a:lnR w="12700" cmpd="sng">
-                      <a:noFill/>
-                    </a:lnR>
-                    <a:lnT w="12700" cmpd="sng">
-                      <a:noFill/>
-                    </a:lnT>
-                    <a:lnB w="12700" cmpd="sng">
-                      <a:noFill/>
-                    </a:lnB>
-                    <a:lnTlToBr w="12700" cmpd="sng">
-                      <a:noFill/>
-                      <a:prstDash val="solid"/>
-                    </a:lnTlToBr>
-                    <a:lnBlToTr w="12700" cmpd="sng">
-                      <a:noFill/>
-                      <a:prstDash val="solid"/>
-                    </a:lnBlToTr>
-                    <a:noFill/>
-                  </a:tcPr>
-                </a:tc>
-                <a:tc>
-                  <a:txBody>
-                    <a:bodyPr/>
-                    <a:lstStyle/>
-                    <a:p>
-                      <a:pPr algn="r"/>
-                      <a:r>
-                        <a:rPr lang="en-US" sz="3200" b="0" dirty="0">
-                          <a:solidFill>
-                            <a:schemeClr val="accent6"/>
-                          </a:solidFill>
-                          <a:latin typeface="Trebuchet MS" panose="020B0703020202090204" pitchFamily="34" charset="0"/>
-                        </a:rPr>
-                        <a:t>2 min</a:t>
-                      </a:r>
-                    </a:p>
-                  </a:txBody>
-                  <a:tcPr anchor="ctr">
-                    <a:lnL w="12700" cmpd="sng">
-                      <a:noFill/>
-                    </a:lnL>
-                    <a:lnR w="12700" cmpd="sng">
-                      <a:noFill/>
-                    </a:lnR>
-                    <a:lnT w="12700" cmpd="sng">
-                      <a:noFill/>
-                    </a:lnT>
-                    <a:lnB w="12700" cmpd="sng">
-                      <a:noFill/>
-                    </a:lnB>
-                    <a:lnTlToBr w="12700" cmpd="sng">
-                      <a:noFill/>
-                      <a:prstDash val="solid"/>
-                    </a:lnTlToBr>
-                    <a:lnBlToTr w="12700" cmpd="sng">
-                      <a:noFill/>
-                      <a:prstDash val="solid"/>
-                    </a:lnBlToTr>
-                    <a:noFill/>
-                  </a:tcPr>
-                </a:tc>
-                <a:extLst>
-                  <a:ext uri="{0D108BD9-81ED-4DB2-BD59-A6C34878D82A}">
-                    <a16:rowId xmlns:a16="http://schemas.microsoft.com/office/drawing/2014/main" val="2156829520"/>
-                  </a:ext>
-                </a:extLst>
-              </a:tr>
-              <a:tr h="1176296">
-                <a:tc>
-                  <a:txBody>
-                    <a:bodyPr/>
-                    <a:lstStyle/>
-                    <a:p>
-                      <a:r>
-                        <a:rPr lang="en-US" sz="3200" dirty="0">
-                          <a:solidFill>
-                            <a:schemeClr val="accent1"/>
-                          </a:solidFill>
-                          <a:latin typeface="Trebuchet MS" panose="020B0703020202090204" pitchFamily="34" charset="0"/>
-                        </a:rPr>
-                        <a:t>Self-training</a:t>
-                      </a:r>
-                    </a:p>
-                  </a:txBody>
-                  <a:tcPr anchor="ctr">
-                    <a:lnL w="12700" cmpd="sng">
-                      <a:noFill/>
-                    </a:lnL>
-                    <a:lnR w="12700" cmpd="sng">
-                      <a:noFill/>
-                    </a:lnR>
-                    <a:lnT w="12700" cmpd="sng">
-                      <a:noFill/>
-                    </a:lnT>
-                    <a:lnB w="12700" cap="flat" cmpd="sng" algn="ctr">
-                      <a:solidFill>
-                        <a:schemeClr val="tx1"/>
-                      </a:solidFill>
-                      <a:prstDash val="solid"/>
-                      <a:round/>
-                      <a:headEnd type="none" w="med" len="med"/>
-                      <a:tailEnd type="none" w="med" len="med"/>
-                    </a:lnB>
-                    <a:lnTlToBr w="12700" cmpd="sng">
-                      <a:noFill/>
-                      <a:prstDash val="solid"/>
-                    </a:lnTlToBr>
-                    <a:lnBlToTr w="12700" cmpd="sng">
-                      <a:noFill/>
-                      <a:prstDash val="solid"/>
-                    </a:lnBlToTr>
-                    <a:noFill/>
-                  </a:tcPr>
-                </a:tc>
-                <a:tc>
-                  <a:txBody>
-                    <a:bodyPr/>
-                    <a:lstStyle/>
-                    <a:p>
-                      <a:pPr algn="r"/>
-                      <a:r>
-                        <a:rPr lang="en-US" sz="3200" dirty="0">
-                          <a:solidFill>
-                            <a:schemeClr val="accent1"/>
-                          </a:solidFill>
-                          <a:latin typeface="Trebuchet MS" panose="020B0703020202090204" pitchFamily="34" charset="0"/>
-                        </a:rPr>
-                        <a:t>40 </a:t>
-                      </a:r>
-                      <a:r>
-                        <a:rPr lang="en-US" sz="3200" dirty="0" err="1">
-                          <a:solidFill>
-                            <a:schemeClr val="accent1"/>
-                          </a:solidFill>
-                          <a:latin typeface="Trebuchet MS" panose="020B0703020202090204" pitchFamily="34" charset="0"/>
-                        </a:rPr>
-                        <a:t>hrs</a:t>
-                      </a:r>
-                      <a:endParaRPr lang="en-US" sz="3200" dirty="0">
-                        <a:solidFill>
-                          <a:schemeClr val="accent1"/>
-                        </a:solidFill>
-                        <a:latin typeface="Trebuchet MS" panose="020B0703020202090204" pitchFamily="34" charset="0"/>
-                      </a:endParaRPr>
-                    </a:p>
-                  </a:txBody>
-                  <a:tcPr anchor="ctr">
-                    <a:lnL w="12700" cmpd="sng">
-                      <a:noFill/>
-                    </a:lnL>
-                    <a:lnR w="12700" cmpd="sng">
-                      <a:noFill/>
-                    </a:lnR>
-                    <a:lnT w="12700" cmpd="sng">
-                      <a:noFill/>
-                    </a:lnT>
-                    <a:lnB w="12700" cap="flat" cmpd="sng" algn="ctr">
-                      <a:solidFill>
-                        <a:schemeClr val="tx1"/>
-                      </a:solidFill>
-                      <a:prstDash val="solid"/>
-                      <a:round/>
-                      <a:headEnd type="none" w="med" len="med"/>
-                      <a:tailEnd type="none" w="med" len="med"/>
-                    </a:lnB>
-                    <a:lnTlToBr w="12700" cmpd="sng">
-                      <a:noFill/>
-                      <a:prstDash val="solid"/>
-                    </a:lnTlToBr>
-                    <a:lnBlToTr w="12700" cmpd="sng">
-                      <a:noFill/>
-                      <a:prstDash val="solid"/>
-                    </a:lnBlToTr>
-                    <a:noFill/>
-                  </a:tcPr>
-                </a:tc>
-                <a:extLst>
-                  <a:ext uri="{0D108BD9-81ED-4DB2-BD59-A6C34878D82A}">
-                    <a16:rowId xmlns:a16="http://schemas.microsoft.com/office/drawing/2014/main" val="3465921971"/>
-                  </a:ext>
-                </a:extLst>
-              </a:tr>
-              <a:tr h="1176296">
-                <a:tc>
-                  <a:txBody>
-                    <a:bodyPr/>
-                    <a:lstStyle/>
-                    <a:p>
-                      <a:r>
-                        <a:rPr lang="en-US" sz="3200" b="1" dirty="0">
-                          <a:latin typeface="Trebuchet MS" panose="020B0703020202090204" pitchFamily="34" charset="0"/>
-                        </a:rPr>
-                        <a:t>Total training time</a:t>
-                      </a:r>
-                    </a:p>
-                  </a:txBody>
-                  <a:tcPr anchor="ctr">
-                    <a:lnL w="12700" cmpd="sng">
-                      <a:noFill/>
-                    </a:lnL>
-                    <a:lnR w="12700" cmpd="sng">
-                      <a:noFill/>
-                    </a:lnR>
-                    <a:lnT w="12700" cap="flat" cmpd="sng" algn="ctr">
-                      <a:solidFill>
-                        <a:schemeClr val="tx1"/>
-                      </a:solidFill>
-                      <a:prstDash val="solid"/>
-                      <a:round/>
-                      <a:headEnd type="none" w="med" len="med"/>
-                      <a:tailEnd type="none" w="med" len="med"/>
-                    </a:lnT>
-                    <a:lnB w="12700" cmpd="sng">
-                      <a:noFill/>
-                    </a:lnB>
-                    <a:lnTlToBr w="12700" cmpd="sng">
-                      <a:noFill/>
-                      <a:prstDash val="solid"/>
-                    </a:lnTlToBr>
-                    <a:lnBlToTr w="12700" cmpd="sng">
-                      <a:noFill/>
-                      <a:prstDash val="solid"/>
-                    </a:lnBlToTr>
-                    <a:noFill/>
-                  </a:tcPr>
-                </a:tc>
-                <a:tc>
-                  <a:txBody>
-                    <a:bodyPr/>
-                    <a:lstStyle/>
-                    <a:p>
-                      <a:pPr algn="r"/>
-                      <a:r>
-                        <a:rPr lang="en-US" sz="3200" b="1" dirty="0">
-                          <a:latin typeface="Trebuchet MS" panose="020B0703020202090204" pitchFamily="34" charset="0"/>
-                        </a:rPr>
-                        <a:t>~40 </a:t>
-                      </a:r>
-                      <a:r>
-                        <a:rPr lang="en-US" sz="3200" b="1" dirty="0" err="1">
-                          <a:latin typeface="Trebuchet MS" panose="020B0703020202090204" pitchFamily="34" charset="0"/>
-                        </a:rPr>
-                        <a:t>hrs</a:t>
-                      </a:r>
-                      <a:endParaRPr lang="en-US" sz="3200" b="1" dirty="0">
-                        <a:latin typeface="Trebuchet MS" panose="020B0703020202090204" pitchFamily="34" charset="0"/>
-                      </a:endParaRPr>
-                    </a:p>
-                  </a:txBody>
-                  <a:tcPr anchor="ctr">
-                    <a:lnL w="12700" cmpd="sng">
-                      <a:noFill/>
-                    </a:lnL>
-                    <a:lnR w="12700" cmpd="sng">
-                      <a:noFill/>
-                    </a:lnR>
-                    <a:lnT w="12700" cap="flat" cmpd="sng" algn="ctr">
-                      <a:solidFill>
-                        <a:schemeClr val="tx1"/>
-                      </a:solidFill>
-                      <a:prstDash val="solid"/>
-                      <a:round/>
-                      <a:headEnd type="none" w="med" len="med"/>
-                      <a:tailEnd type="none" w="med" len="med"/>
-                    </a:lnT>
-                    <a:lnB w="12700" cmpd="sng">
-                      <a:noFill/>
-                    </a:lnB>
-                    <a:lnTlToBr w="12700" cmpd="sng">
-                      <a:noFill/>
-                      <a:prstDash val="solid"/>
-                    </a:lnTlToBr>
-                    <a:lnBlToTr w="12700" cmpd="sng">
-                      <a:noFill/>
-                      <a:prstDash val="solid"/>
-                    </a:lnBlToTr>
-                    <a:noFill/>
-                  </a:tcPr>
-                </a:tc>
-                <a:extLst>
-                  <a:ext uri="{0D108BD9-81ED-4DB2-BD59-A6C34878D82A}">
-                    <a16:rowId xmlns:a16="http://schemas.microsoft.com/office/drawing/2014/main" val="1709030475"/>
-                  </a:ext>
-                </a:extLst>
-              </a:tr>
-            </a:tbl>
-          </a:graphicData>
-        </a:graphic>
-      </p:graphicFrame>
-    </p:spTree>
-    <p:extLst>
-      <p:ext uri="{BB962C8B-B14F-4D97-AF65-F5344CB8AC3E}">
-        <p14:creationId xmlns:p14="http://schemas.microsoft.com/office/powerpoint/2010/main" val="3392657133"/>
-      </p:ext>
-    </p:extLst>
-  </p:cSld>
-  <p:clrMapOvr>
-    <a:masterClrMapping/>
-  </p:clrMapOvr>
-</p:sld>
-</file>
-
-<file path=ppt/slides/slide2.xml><?xml version="1.0" encoding="utf-8"?>
-<p:sld xmlns:a="http://schemas.openxmlformats.org/drawingml/2006/main" xmlns:r="http://schemas.openxmlformats.org/officeDocument/2006/relationships" xmlns:p="http://schemas.openxmlformats.org/presentationml/2006/main">
-  <p:cSld>
-    <p:spTree>
-      <p:nvGrpSpPr>
-        <p:cNvPr id="1" name=""/>
-        <p:cNvGrpSpPr/>
-        <p:nvPr/>
-      </p:nvGrpSpPr>
-      <p:grpSpPr>
-        <a:xfrm>
-          <a:off x="0" y="0"/>
-          <a:ext cx="0" cy="0"/>
-          <a:chOff x="0" y="0"/>
-          <a:chExt cx="0" cy="0"/>
-        </a:xfrm>
-      </p:grpSpPr>
-      <p:graphicFrame>
-        <p:nvGraphicFramePr>
-          <p:cNvPr id="6" name="Object 5" hidden="1">
-            <a:extLst>
-              <a:ext uri="{FF2B5EF4-FFF2-40B4-BE49-F238E27FC236}">
-                <a16:creationId xmlns:a16="http://schemas.microsoft.com/office/drawing/2014/main" id="{D4EB9A6C-2560-0A42-9333-CFCCD6E83764}"/>
-              </a:ext>
-            </a:extLst>
-          </p:cNvPr>
-          <p:cNvGraphicFramePr>
-            <a:graphicFrameLocks noChangeAspect="1"/>
-          </p:cNvGraphicFramePr>
-          <p:nvPr>
-            <p:custDataLst>
-              <p:tags r:id="rId2"/>
-            </p:custDataLst>
-            <p:extLst>
-              <p:ext uri="{D42A27DB-BD31-4B8C-83A1-F6EECF244321}">
-                <p14:modId xmlns:p14="http://schemas.microsoft.com/office/powerpoint/2010/main" val="3318288358"/>
-              </p:ext>
-            </p:extLst>
-          </p:nvPr>
-        </p:nvGraphicFramePr>
-        <p:xfrm>
-          <a:off x="1588" y="1588"/>
-          <a:ext cx="1227" cy="1588"/>
-        </p:xfrm>
-        <a:graphic>
-          <a:graphicData uri="http://schemas.openxmlformats.org/presentationml/2006/ole">
-            <mc:AlternateContent xmlns:mc="http://schemas.openxmlformats.org/markup-compatibility/2006">
-              <mc:Choice xmlns:v="urn:schemas-microsoft-com:vml" Requires="v">
-                <p:oleObj spid="_x0000_s48167" name="think-cell Slide" r:id="rId4" imgW="7772400" imgH="10058400" progId="TCLayout.ActiveDocument.1">
-                  <p:embed/>
-                </p:oleObj>
-              </mc:Choice>
-              <mc:Fallback>
-                <p:oleObj name="think-cell Slide" r:id="rId4" imgW="7772400" imgH="10058400" progId="TCLayout.ActiveDocument.1">
-                  <p:embed/>
-                  <p:pic>
-                    <p:nvPicPr>
-                      <p:cNvPr id="0" name=""/>
-                      <p:cNvPicPr/>
-                      <p:nvPr/>
-                    </p:nvPicPr>
-                    <p:blipFill>
-                      <a:blip r:embed="rId5"/>
                       <a:stretch>
                         <a:fillRect/>
                       </a:stretch>
@@ -5118,7 +4500,7 @@
           <p:nvPr/>
         </p:nvPicPr>
         <p:blipFill rotWithShape="1">
-          <a:blip r:embed="rId6"/>
+          <a:blip r:embed="rId7"/>
           <a:srcRect l="303" r="303"/>
           <a:stretch/>
         </p:blipFill>
@@ -5188,7 +4570,156 @@
 </p:sld>
 </file>
 
-<file path=ppt/slides/slide3.xml><?xml version="1.0" encoding="utf-8"?>
+<file path=ppt/slides/slide10.xml><?xml version="1.0" encoding="utf-8"?>
+<p:sld xmlns:a="http://schemas.openxmlformats.org/drawingml/2006/main" xmlns:r="http://schemas.openxmlformats.org/officeDocument/2006/relationships" xmlns:p="http://schemas.openxmlformats.org/presentationml/2006/main">
+  <p:cSld>
+    <p:spTree>
+      <p:nvGrpSpPr>
+        <p:cNvPr id="1" name=""/>
+        <p:cNvGrpSpPr/>
+        <p:nvPr/>
+      </p:nvGrpSpPr>
+      <p:grpSpPr>
+        <a:xfrm>
+          <a:off x="0" y="0"/>
+          <a:ext cx="0" cy="0"/>
+          <a:chOff x="0" y="0"/>
+          <a:chExt cx="0" cy="0"/>
+        </a:xfrm>
+      </p:grpSpPr>
+      <p:graphicFrame>
+        <p:nvGraphicFramePr>
+          <p:cNvPr id="5" name="Object 4" hidden="1">
+            <a:extLst>
+              <a:ext uri="{FF2B5EF4-FFF2-40B4-BE49-F238E27FC236}">
+                <a16:creationId xmlns:a16="http://schemas.microsoft.com/office/drawing/2014/main" id="{DA26DC80-D4D5-6545-A226-3CC9FC8A00AD}"/>
+              </a:ext>
+            </a:extLst>
+          </p:cNvPr>
+          <p:cNvGraphicFramePr>
+            <a:graphicFrameLocks noChangeAspect="1"/>
+          </p:cNvGraphicFramePr>
+          <p:nvPr>
+            <p:custDataLst>
+              <p:tags r:id="rId2"/>
+            </p:custDataLst>
+            <p:extLst>
+              <p:ext uri="{D42A27DB-BD31-4B8C-83A1-F6EECF244321}">
+                <p14:modId xmlns:p14="http://schemas.microsoft.com/office/powerpoint/2010/main" val="3642311224"/>
+              </p:ext>
+            </p:extLst>
+          </p:nvPr>
+        </p:nvGraphicFramePr>
+        <p:xfrm>
+          <a:off x="1588" y="1588"/>
+          <a:ext cx="1227" cy="1588"/>
+        </p:xfrm>
+        <a:graphic>
+          <a:graphicData uri="http://schemas.openxmlformats.org/presentationml/2006/ole">
+            <mc:AlternateContent xmlns:mc="http://schemas.openxmlformats.org/markup-compatibility/2006">
+              <mc:Choice xmlns:v="urn:schemas-microsoft-com:vml" Requires="v">
+                <p:oleObj spid="_x0000_s64576" name="think-cell Slide" r:id="rId5" imgW="7772400" imgH="10058400" progId="TCLayout.ActiveDocument.1">
+                  <p:embed/>
+                </p:oleObj>
+              </mc:Choice>
+              <mc:Fallback>
+                <p:oleObj name="think-cell Slide" r:id="rId5" imgW="7772400" imgH="10058400" progId="TCLayout.ActiveDocument.1">
+                  <p:embed/>
+                  <p:pic>
+                    <p:nvPicPr>
+                      <p:cNvPr id="0" name=""/>
+                      <p:cNvPicPr/>
+                      <p:nvPr/>
+                    </p:nvPicPr>
+                    <p:blipFill>
+                      <a:blip r:embed="rId6"/>
+                      <a:stretch>
+                        <a:fillRect/>
+                      </a:stretch>
+                    </p:blipFill>
+                    <p:spPr>
+                      <a:xfrm>
+                        <a:off x="1588" y="1588"/>
+                        <a:ext cx="1227" cy="1588"/>
+                      </a:xfrm>
+                      <a:prstGeom prst="rect">
+                        <a:avLst/>
+                      </a:prstGeom>
+                    </p:spPr>
+                  </p:pic>
+                </p:oleObj>
+              </mc:Fallback>
+            </mc:AlternateContent>
+          </a:graphicData>
+        </a:graphic>
+      </p:graphicFrame>
+      <p:sp>
+        <p:nvSpPr>
+          <p:cNvPr id="2" name="Title 1">
+            <a:extLst>
+              <a:ext uri="{FF2B5EF4-FFF2-40B4-BE49-F238E27FC236}">
+                <a16:creationId xmlns:a16="http://schemas.microsoft.com/office/drawing/2014/main" id="{49D0CABF-D5C3-5D41-89FA-01C3E012CA30}"/>
+              </a:ext>
+            </a:extLst>
+          </p:cNvPr>
+          <p:cNvSpPr>
+            <a:spLocks noGrp="1"/>
+          </p:cNvSpPr>
+          <p:nvPr>
+            <p:ph type="title"/>
+          </p:nvPr>
+        </p:nvSpPr>
+        <p:spPr/>
+        <p:txBody>
+          <a:bodyPr vert="horz"/>
+          <a:lstStyle/>
+          <a:p>
+            <a:r>
+              <a:rPr lang="en-US" dirty="0"/>
+              <a:t>Extra footage</a:t>
+            </a:r>
+          </a:p>
+        </p:txBody>
+      </p:sp>
+      <p:sp>
+        <p:nvSpPr>
+          <p:cNvPr id="3" name="Content Placeholder 2">
+            <a:extLst>
+              <a:ext uri="{FF2B5EF4-FFF2-40B4-BE49-F238E27FC236}">
+                <a16:creationId xmlns:a16="http://schemas.microsoft.com/office/drawing/2014/main" id="{F62F6823-A427-E048-823A-0EC86F0EB055}"/>
+              </a:ext>
+            </a:extLst>
+          </p:cNvPr>
+          <p:cNvSpPr>
+            <a:spLocks noGrp="1"/>
+          </p:cNvSpPr>
+          <p:nvPr>
+            <p:ph idx="1"/>
+          </p:nvPr>
+        </p:nvSpPr>
+        <p:spPr/>
+        <p:txBody>
+          <a:bodyPr/>
+          <a:lstStyle/>
+          <a:p>
+            <a:endParaRPr lang="en-US"/>
+          </a:p>
+        </p:txBody>
+      </p:sp>
+    </p:spTree>
+    <p:extLst>
+      <p:ext uri="{BB962C8B-B14F-4D97-AF65-F5344CB8AC3E}">
+        <p14:creationId xmlns:p14="http://schemas.microsoft.com/office/powerpoint/2010/main" val="753494315"/>
+      </p:ext>
+    </p:extLst>
+  </p:cSld>
+  <p:clrMapOvr>
+    <a:masterClrMapping/>
+  </p:clrMapOvr>
+</p:sld>
+</file>
+
+<file path=ppt/slides/slide2.xml><?xml version="1.0" encoding="utf-8"?>
 <p:sld xmlns:a="http://schemas.openxmlformats.org/drawingml/2006/main" xmlns:r="http://schemas.openxmlformats.org/officeDocument/2006/relationships" xmlns:p="http://schemas.openxmlformats.org/presentationml/2006/main">
   <p:cSld>
     <p:spTree>
@@ -5236,12 +4767,12 @@
           <a:graphicData uri="http://schemas.openxmlformats.org/presentationml/2006/ole">
             <mc:AlternateContent xmlns:mc="http://schemas.openxmlformats.org/markup-compatibility/2006">
               <mc:Choice xmlns:v="urn:schemas-microsoft-com:vml" Requires="v">
-                <p:oleObj spid="_x0000_s49190" name="think-cell Slide" r:id="rId4" imgW="7772400" imgH="10058400" progId="TCLayout.ActiveDocument.1">
+                <p:oleObj spid="_x0000_s49278" name="think-cell Slide" r:id="rId5" imgW="7772400" imgH="10058400" progId="TCLayout.ActiveDocument.1">
                   <p:embed/>
                 </p:oleObj>
               </mc:Choice>
               <mc:Fallback>
-                <p:oleObj name="think-cell Slide" r:id="rId4" imgW="7772400" imgH="10058400" progId="TCLayout.ActiveDocument.1">
+                <p:oleObj name="think-cell Slide" r:id="rId5" imgW="7772400" imgH="10058400" progId="TCLayout.ActiveDocument.1">
                   <p:embed/>
                   <p:pic>
                     <p:nvPicPr>
@@ -5250,7 +4781,7 @@
                       <p:nvPr/>
                     </p:nvPicPr>
                     <p:blipFill>
-                      <a:blip r:embed="rId5"/>
+                      <a:blip r:embed="rId6"/>
                       <a:stretch>
                         <a:fillRect/>
                       </a:stretch>
@@ -5286,7 +4817,7 @@
           <p:nvPr/>
         </p:nvPicPr>
         <p:blipFill>
-          <a:blip r:embed="rId6">
+          <a:blip r:embed="rId7">
             <a:extLst>
               <a:ext uri="{28A0092B-C50C-407E-A947-70E740481C1C}">
                 <a14:useLocalDpi xmlns:a14="http://schemas.microsoft.com/office/drawing/2010/main" val="0"/>
@@ -5331,6 +4862,162 @@
 </p:sld>
 </file>
 
+<file path=ppt/slides/slide3.xml><?xml version="1.0" encoding="utf-8"?>
+<p:sld xmlns:a="http://schemas.openxmlformats.org/drawingml/2006/main" xmlns:r="http://schemas.openxmlformats.org/officeDocument/2006/relationships" xmlns:p="http://schemas.openxmlformats.org/presentationml/2006/main">
+  <p:cSld>
+    <p:spTree>
+      <p:nvGrpSpPr>
+        <p:cNvPr id="1" name=""/>
+        <p:cNvGrpSpPr/>
+        <p:nvPr/>
+      </p:nvGrpSpPr>
+      <p:grpSpPr>
+        <a:xfrm>
+          <a:off x="0" y="0"/>
+          <a:ext cx="0" cy="0"/>
+          <a:chOff x="0" y="0"/>
+          <a:chExt cx="0" cy="0"/>
+        </a:xfrm>
+      </p:grpSpPr>
+      <p:graphicFrame>
+        <p:nvGraphicFramePr>
+          <p:cNvPr id="4" name="Object 3" hidden="1">
+            <a:extLst>
+              <a:ext uri="{FF2B5EF4-FFF2-40B4-BE49-F238E27FC236}">
+                <a16:creationId xmlns:a16="http://schemas.microsoft.com/office/drawing/2014/main" id="{2CB0F646-4C3C-0142-95EC-D71B1EF208F2}"/>
+              </a:ext>
+            </a:extLst>
+          </p:cNvPr>
+          <p:cNvGraphicFramePr>
+            <a:graphicFrameLocks noChangeAspect="1"/>
+          </p:cNvGraphicFramePr>
+          <p:nvPr>
+            <p:custDataLst>
+              <p:tags r:id="rId2"/>
+            </p:custDataLst>
+            <p:extLst>
+              <p:ext uri="{D42A27DB-BD31-4B8C-83A1-F6EECF244321}">
+                <p14:modId xmlns:p14="http://schemas.microsoft.com/office/powerpoint/2010/main" val="1905817970"/>
+              </p:ext>
+            </p:extLst>
+          </p:nvPr>
+        </p:nvGraphicFramePr>
+        <p:xfrm>
+          <a:off x="1588" y="1588"/>
+          <a:ext cx="1227" cy="1588"/>
+        </p:xfrm>
+        <a:graphic>
+          <a:graphicData uri="http://schemas.openxmlformats.org/presentationml/2006/ole">
+            <mc:AlternateContent xmlns:mc="http://schemas.openxmlformats.org/markup-compatibility/2006">
+              <mc:Choice xmlns:v="urn:schemas-microsoft-com:vml" Requires="v">
+                <p:oleObj spid="_x0000_s63574" name="think-cell Slide" r:id="rId5" imgW="7772400" imgH="10058400" progId="TCLayout.ActiveDocument.1">
+                  <p:embed/>
+                </p:oleObj>
+              </mc:Choice>
+              <mc:Fallback>
+                <p:oleObj name="think-cell Slide" r:id="rId5" imgW="7772400" imgH="10058400" progId="TCLayout.ActiveDocument.1">
+                  <p:embed/>
+                  <p:pic>
+                    <p:nvPicPr>
+                      <p:cNvPr id="4" name="Object 3" hidden="1">
+                        <a:extLst>
+                          <a:ext uri="{FF2B5EF4-FFF2-40B4-BE49-F238E27FC236}">
+                            <a16:creationId xmlns:a16="http://schemas.microsoft.com/office/drawing/2014/main" id="{2CB0F646-4C3C-0142-95EC-D71B1EF208F2}"/>
+                          </a:ext>
+                        </a:extLst>
+                      </p:cNvPr>
+                      <p:cNvPicPr/>
+                      <p:nvPr/>
+                    </p:nvPicPr>
+                    <p:blipFill>
+                      <a:blip r:embed="rId6"/>
+                      <a:stretch>
+                        <a:fillRect/>
+                      </a:stretch>
+                    </p:blipFill>
+                    <p:spPr>
+                      <a:xfrm>
+                        <a:off x="1588" y="1588"/>
+                        <a:ext cx="1227" cy="1588"/>
+                      </a:xfrm>
+                      <a:prstGeom prst="rect">
+                        <a:avLst/>
+                      </a:prstGeom>
+                    </p:spPr>
+                  </p:pic>
+                </p:oleObj>
+              </mc:Fallback>
+            </mc:AlternateContent>
+          </a:graphicData>
+        </a:graphic>
+      </p:graphicFrame>
+      <p:sp>
+        <p:nvSpPr>
+          <p:cNvPr id="2" name="Title 1">
+            <a:extLst>
+              <a:ext uri="{FF2B5EF4-FFF2-40B4-BE49-F238E27FC236}">
+                <a16:creationId xmlns:a16="http://schemas.microsoft.com/office/drawing/2014/main" id="{21BBB66C-AF75-4E66-8133-82AB7D206D25}"/>
+              </a:ext>
+            </a:extLst>
+          </p:cNvPr>
+          <p:cNvSpPr>
+            <a:spLocks noGrp="1"/>
+          </p:cNvSpPr>
+          <p:nvPr>
+            <p:ph type="ctrTitle"/>
+          </p:nvPr>
+        </p:nvSpPr>
+        <p:spPr/>
+        <p:txBody>
+          <a:bodyPr vert="horz"/>
+          <a:lstStyle/>
+          <a:p>
+            <a:r>
+              <a:rPr lang="en-US" dirty="0" err="1"/>
+              <a:t>Speedrun</a:t>
+            </a:r>
+            <a:endParaRPr lang="en-US" dirty="0"/>
+          </a:p>
+        </p:txBody>
+      </p:sp>
+      <p:sp>
+        <p:nvSpPr>
+          <p:cNvPr id="3" name="Subtitle 2">
+            <a:extLst>
+              <a:ext uri="{FF2B5EF4-FFF2-40B4-BE49-F238E27FC236}">
+                <a16:creationId xmlns:a16="http://schemas.microsoft.com/office/drawing/2014/main" id="{D52C0B9C-B6FE-468E-9051-3EF156B873A6}"/>
+              </a:ext>
+            </a:extLst>
+          </p:cNvPr>
+          <p:cNvSpPr>
+            <a:spLocks noGrp="1"/>
+          </p:cNvSpPr>
+          <p:nvPr>
+            <p:ph type="subTitle" idx="1"/>
+          </p:nvPr>
+        </p:nvSpPr>
+        <p:spPr/>
+        <p:txBody>
+          <a:bodyPr/>
+          <a:lstStyle/>
+          <a:p>
+            <a:endParaRPr lang="en-US"/>
+          </a:p>
+        </p:txBody>
+      </p:sp>
+    </p:spTree>
+    <p:extLst>
+      <p:ext uri="{BB962C8B-B14F-4D97-AF65-F5344CB8AC3E}">
+        <p14:creationId xmlns:p14="http://schemas.microsoft.com/office/powerpoint/2010/main" val="1001260128"/>
+      </p:ext>
+    </p:extLst>
+  </p:cSld>
+  <p:clrMapOvr>
+    <a:masterClrMapping/>
+  </p:clrMapOvr>
+</p:sld>
+</file>
+
 <file path=ppt/slides/slide4.xml><?xml version="1.0" encoding="utf-8"?>
 <p:sld xmlns:a="http://schemas.openxmlformats.org/drawingml/2006/main" xmlns:r="http://schemas.openxmlformats.org/officeDocument/2006/relationships" xmlns:p="http://schemas.openxmlformats.org/presentationml/2006/main">
   <p:cSld>
@@ -5379,12 +5066,12 @@
           <a:graphicData uri="http://schemas.openxmlformats.org/presentationml/2006/ole">
             <mc:AlternateContent xmlns:mc="http://schemas.openxmlformats.org/markup-compatibility/2006">
               <mc:Choice xmlns:v="urn:schemas-microsoft-com:vml" Requires="v">
-                <p:oleObj spid="_x0000_s47149" name="think-cell Slide" r:id="rId4" imgW="7772400" imgH="10058400" progId="TCLayout.ActiveDocument.1">
+                <p:oleObj spid="_x0000_s47237" name="think-cell Slide" r:id="rId5" imgW="7772400" imgH="10058400" progId="TCLayout.ActiveDocument.1">
                   <p:embed/>
                 </p:oleObj>
               </mc:Choice>
               <mc:Fallback>
-                <p:oleObj name="think-cell Slide" r:id="rId4" imgW="7772400" imgH="10058400" progId="TCLayout.ActiveDocument.1">
+                <p:oleObj name="think-cell Slide" r:id="rId5" imgW="7772400" imgH="10058400" progId="TCLayout.ActiveDocument.1">
                   <p:embed/>
                   <p:pic>
                     <p:nvPicPr>
@@ -5393,7 +5080,7 @@
                       <p:nvPr/>
                     </p:nvPicPr>
                     <p:blipFill>
-                      <a:blip r:embed="rId5"/>
+                      <a:blip r:embed="rId6"/>
                       <a:stretch>
                         <a:fillRect/>
                       </a:stretch>
@@ -5416,10 +5103,10 @@
       </p:graphicFrame>
       <p:pic>
         <p:nvPicPr>
-          <p:cNvPr id="47106" name="Picture 2" descr="baby penguin waddle penguins cute bird animal penguin GIF">
+          <p:cNvPr id="6" name="Picture 2" descr="baby penguin waddle penguins cute bird animal penguin GIF">
             <a:extLst>
               <a:ext uri="{FF2B5EF4-FFF2-40B4-BE49-F238E27FC236}">
-                <a16:creationId xmlns:a16="http://schemas.microsoft.com/office/drawing/2014/main" id="{B2B7E5E2-408B-D845-B8C3-DB3294E75375}"/>
+                <a16:creationId xmlns:a16="http://schemas.microsoft.com/office/drawing/2014/main" id="{F6458783-5AE3-9444-A7D5-1A1267AB6EB0}"/>
               </a:ext>
             </a:extLst>
           </p:cNvPr>
@@ -5429,7 +5116,7 @@
           <p:nvPr/>
         </p:nvPicPr>
         <p:blipFill>
-          <a:blip r:embed="rId6">
+          <a:blip r:embed="rId7">
             <a:extLst>
               <a:ext uri="{28A0092B-C50C-407E-A947-70E740481C1C}">
                 <a14:useLocalDpi xmlns:a14="http://schemas.microsoft.com/office/drawing/2010/main" val="0"/>
@@ -5443,7 +5130,7 @@
         </p:blipFill>
         <p:spPr bwMode="auto">
           <a:xfrm>
-            <a:off x="4208117" y="446904"/>
+            <a:off x="4208117" y="223620"/>
             <a:ext cx="1811683" cy="1356174"/>
           </a:xfrm>
           <a:prstGeom prst="rect">
@@ -5468,10 +5155,10 @@
       </p:pic>
       <p:graphicFrame>
         <p:nvGraphicFramePr>
-          <p:cNvPr id="5" name="Table 5">
+          <p:cNvPr id="7" name="Table 5">
             <a:extLst>
               <a:ext uri="{FF2B5EF4-FFF2-40B4-BE49-F238E27FC236}">
-                <a16:creationId xmlns:a16="http://schemas.microsoft.com/office/drawing/2014/main" id="{DA230081-3EEA-6345-95CD-78D39516D8CD}"/>
+                <a16:creationId xmlns:a16="http://schemas.microsoft.com/office/drawing/2014/main" id="{2299D087-3DC3-044A-9D61-73905FEF64CC}"/>
               </a:ext>
             </a:extLst>
           </p:cNvPr>
@@ -5481,14 +5168,14 @@
           <p:nvPr>
             <p:extLst>
               <p:ext uri="{D42A27DB-BD31-4B8C-83A1-F6EECF244321}">
-                <p14:modId xmlns:p14="http://schemas.microsoft.com/office/powerpoint/2010/main" val="4173664576"/>
+                <p14:modId xmlns:p14="http://schemas.microsoft.com/office/powerpoint/2010/main" val="402086640"/>
               </p:ext>
             </p:extLst>
           </p:nvPr>
         </p:nvGraphicFramePr>
         <p:xfrm>
-          <a:off x="939801" y="2040755"/>
-          <a:ext cx="10312398" cy="932774"/>
+          <a:off x="939801" y="1817471"/>
+          <a:ext cx="10312398" cy="914400"/>
         </p:xfrm>
         <a:graphic>
           <a:graphicData uri="http://schemas.openxmlformats.org/drawingml/2006/table">
@@ -5519,7 +5206,7 @@
                   </a:extLst>
                 </a:gridCol>
               </a:tblGrid>
-              <a:tr h="475574">
+              <a:tr h="420902">
                 <a:tc>
                   <a:txBody>
                     <a:bodyPr/>
@@ -5579,7 +5266,7 @@
                   </a:ext>
                 </a:extLst>
               </a:tr>
-              <a:tr h="444308">
+              <a:tr h="404641">
                 <a:tc>
                   <a:txBody>
                     <a:bodyPr/>
@@ -5669,10 +5356,10 @@
       </p:graphicFrame>
       <p:pic>
         <p:nvPicPr>
-          <p:cNvPr id="47139" name="Picture 35" descr="Naruto Run GIFs - Get the best GIF on GIPHY">
+          <p:cNvPr id="8" name="Picture 35" descr="Naruto Run GIFs - Get the best GIF on GIPHY">
             <a:extLst>
               <a:ext uri="{FF2B5EF4-FFF2-40B4-BE49-F238E27FC236}">
-                <a16:creationId xmlns:a16="http://schemas.microsoft.com/office/drawing/2014/main" id="{B0814E8B-90FB-6244-8632-317809D239D9}"/>
+                <a16:creationId xmlns:a16="http://schemas.microsoft.com/office/drawing/2014/main" id="{FA6C03E6-0CF0-224C-81E0-4EBB294BE420}"/>
               </a:ext>
             </a:extLst>
           </p:cNvPr>
@@ -5682,7 +5369,7 @@
           <p:nvPr/>
         </p:nvPicPr>
         <p:blipFill rotWithShape="1">
-          <a:blip r:embed="rId7">
+          <a:blip r:embed="rId8">
             <a:extLst>
               <a:ext uri="{28A0092B-C50C-407E-A947-70E740481C1C}">
                 <a14:useLocalDpi xmlns:a14="http://schemas.microsoft.com/office/drawing/2010/main" val="0"/>
@@ -5694,7 +5381,7 @@
         </p:blipFill>
         <p:spPr bwMode="auto">
           <a:xfrm flipH="1">
-            <a:off x="7924800" y="451404"/>
+            <a:off x="7924800" y="228120"/>
             <a:ext cx="2146300" cy="1345960"/>
           </a:xfrm>
           <a:prstGeom prst="rect">
@@ -5778,7 +5465,7 @@
           <a:graphicData uri="http://schemas.openxmlformats.org/presentationml/2006/ole">
             <mc:AlternateContent xmlns:mc="http://schemas.openxmlformats.org/markup-compatibility/2006">
               <mc:Choice xmlns:v="urn:schemas-microsoft-com:vml" Requires="v">
-                <p:oleObj spid="_x0000_s1219" name="think-cell Slide" r:id="rId5" imgW="7772400" imgH="10058400" progId="TCLayout.ActiveDocument.1">
+                <p:oleObj spid="_x0000_s1307" name="think-cell Slide" r:id="rId5" imgW="7772400" imgH="10058400" progId="TCLayout.ActiveDocument.1">
                   <p:embed/>
                 </p:oleObj>
               </mc:Choice>
@@ -6096,12 +5783,12 @@
           <a:graphicData uri="http://schemas.openxmlformats.org/presentationml/2006/ole">
             <mc:AlternateContent xmlns:mc="http://schemas.openxmlformats.org/markup-compatibility/2006">
               <mc:Choice xmlns:v="urn:schemas-microsoft-com:vml" Requires="v">
-                <p:oleObj spid="_x0000_s57346" name="think-cell Slide" r:id="rId4" imgW="7772400" imgH="10058400" progId="TCLayout.ActiveDocument.1">
+                <p:oleObj spid="_x0000_s53344" name="think-cell Slide" r:id="rId5" imgW="7772400" imgH="10058400" progId="TCLayout.ActiveDocument.1">
                   <p:embed/>
                 </p:oleObj>
               </mc:Choice>
               <mc:Fallback>
-                <p:oleObj name="think-cell Slide" r:id="rId4" imgW="7772400" imgH="10058400" progId="TCLayout.ActiveDocument.1">
+                <p:oleObj name="think-cell Slide" r:id="rId5" imgW="7772400" imgH="10058400" progId="TCLayout.ActiveDocument.1">
                   <p:embed/>
                   <p:pic>
                     <p:nvPicPr>
@@ -6116,7 +5803,7 @@
                       <p:nvPr/>
                     </p:nvPicPr>
                     <p:blipFill>
-                      <a:blip r:embed="rId5"/>
+                      <a:blip r:embed="rId6"/>
                       <a:stretch>
                         <a:fillRect/>
                       </a:stretch>
@@ -6139,10 +5826,10 @@
       </p:graphicFrame>
       <p:pic>
         <p:nvPicPr>
-          <p:cNvPr id="47106" name="Picture 2" descr="baby penguin waddle penguins cute bird animal penguin GIF">
+          <p:cNvPr id="6" name="Picture 2" descr="baby penguin waddle penguins cute bird animal penguin GIF">
             <a:extLst>
               <a:ext uri="{FF2B5EF4-FFF2-40B4-BE49-F238E27FC236}">
-                <a16:creationId xmlns:a16="http://schemas.microsoft.com/office/drawing/2014/main" id="{B2B7E5E2-408B-D845-B8C3-DB3294E75375}"/>
+                <a16:creationId xmlns:a16="http://schemas.microsoft.com/office/drawing/2014/main" id="{7D2F3FD1-AFE3-BA48-83D4-9DA58E77D98D}"/>
               </a:ext>
             </a:extLst>
           </p:cNvPr>
@@ -6152,7 +5839,7 @@
           <p:nvPr/>
         </p:nvPicPr>
         <p:blipFill>
-          <a:blip r:embed="rId6">
+          <a:blip r:embed="rId7">
             <a:extLst>
               <a:ext uri="{28A0092B-C50C-407E-A947-70E740481C1C}">
                 <a14:useLocalDpi xmlns:a14="http://schemas.microsoft.com/office/drawing/2010/main" val="0"/>
@@ -6166,7 +5853,7 @@
         </p:blipFill>
         <p:spPr bwMode="auto">
           <a:xfrm>
-            <a:off x="4208117" y="446904"/>
+            <a:off x="4208117" y="223620"/>
             <a:ext cx="1811683" cy="1356174"/>
           </a:xfrm>
           <a:prstGeom prst="rect">
@@ -6191,21 +5878,27 @@
       </p:pic>
       <p:graphicFrame>
         <p:nvGraphicFramePr>
-          <p:cNvPr id="5" name="Table 5">
+          <p:cNvPr id="7" name="Table 5">
             <a:extLst>
               <a:ext uri="{FF2B5EF4-FFF2-40B4-BE49-F238E27FC236}">
-                <a16:creationId xmlns:a16="http://schemas.microsoft.com/office/drawing/2014/main" id="{DA230081-3EEA-6345-95CD-78D39516D8CD}"/>
+                <a16:creationId xmlns:a16="http://schemas.microsoft.com/office/drawing/2014/main" id="{1929115D-2ED6-3C46-9403-B4194835080E}"/>
               </a:ext>
             </a:extLst>
           </p:cNvPr>
           <p:cNvGraphicFramePr>
             <a:graphicFrameLocks noGrp="1"/>
           </p:cNvGraphicFramePr>
-          <p:nvPr/>
+          <p:nvPr>
+            <p:extLst>
+              <p:ext uri="{D42A27DB-BD31-4B8C-83A1-F6EECF244321}">
+                <p14:modId xmlns:p14="http://schemas.microsoft.com/office/powerpoint/2010/main" val="1393261602"/>
+              </p:ext>
+            </p:extLst>
+          </p:nvPr>
         </p:nvGraphicFramePr>
         <p:xfrm>
-          <a:off x="939801" y="2040755"/>
-          <a:ext cx="10312398" cy="932774"/>
+          <a:off x="939801" y="1817471"/>
+          <a:ext cx="10312398" cy="2468880"/>
         </p:xfrm>
         <a:graphic>
           <a:graphicData uri="http://schemas.openxmlformats.org/drawingml/2006/table">
@@ -6236,7 +5929,7 @@
                   </a:extLst>
                 </a:gridCol>
               </a:tblGrid>
-              <a:tr h="475574">
+              <a:tr h="420902">
                 <a:tc>
                   <a:txBody>
                     <a:bodyPr/>
@@ -6296,407 +5989,7 @@
                   </a:ext>
                 </a:extLst>
               </a:tr>
-              <a:tr h="444308">
-                <a:tc>
-                  <a:txBody>
-                    <a:bodyPr/>
-                    <a:lstStyle/>
-                    <a:p>
-                      <a:r>
-                        <a:rPr lang="en-US" sz="2400" dirty="0">
-                          <a:solidFill>
-                            <a:schemeClr val="accent1">
-                              <a:lumMod val="50000"/>
-                            </a:schemeClr>
-                          </a:solidFill>
-                          <a:latin typeface="Trebuchet MS" panose="020B0703020202090204" pitchFamily="34" charset="0"/>
-                        </a:rPr>
-                        <a:t>Algorithm</a:t>
-                      </a:r>
-                    </a:p>
-                  </a:txBody>
-                  <a:tcPr anchor="ctr">
-                    <a:solidFill>
-                      <a:schemeClr val="accent4">
-                        <a:lumMod val="20000"/>
-                        <a:lumOff val="80000"/>
-                      </a:schemeClr>
-                    </a:solidFill>
-                  </a:tcPr>
-                </a:tc>
-                <a:tc>
-                  <a:txBody>
-                    <a:bodyPr/>
-                    <a:lstStyle/>
-                    <a:p>
-                      <a:r>
-                        <a:rPr lang="en-US" sz="2400" dirty="0">
-                          <a:solidFill>
-                            <a:schemeClr val="tx2"/>
-                          </a:solidFill>
-                          <a:latin typeface="Trebuchet MS" panose="020B0703020202090204" pitchFamily="34" charset="0"/>
-                        </a:rPr>
-                        <a:t>ACER</a:t>
-                      </a:r>
-                    </a:p>
-                  </a:txBody>
-                  <a:tcPr anchor="ctr">
-                    <a:solidFill>
-                      <a:schemeClr val="accent4">
-                        <a:lumMod val="20000"/>
-                        <a:lumOff val="80000"/>
-                      </a:schemeClr>
-                    </a:solidFill>
-                  </a:tcPr>
-                </a:tc>
-                <a:tc>
-                  <a:txBody>
-                    <a:bodyPr/>
-                    <a:lstStyle/>
-                    <a:p>
-                      <a:r>
-                        <a:rPr lang="en-US" sz="2400" dirty="0">
-                          <a:solidFill>
-                            <a:schemeClr val="tx2"/>
-                          </a:solidFill>
-                          <a:latin typeface="Trebuchet MS" panose="020B0703020202090204" pitchFamily="34" charset="0"/>
-                        </a:rPr>
-                        <a:t>Prioritized DDQN</a:t>
-                      </a:r>
-                    </a:p>
-                  </a:txBody>
-                  <a:tcPr anchor="ctr">
-                    <a:solidFill>
-                      <a:schemeClr val="accent4">
-                        <a:lumMod val="20000"/>
-                        <a:lumOff val="80000"/>
-                      </a:schemeClr>
-                    </a:solidFill>
-                  </a:tcPr>
-                </a:tc>
-                <a:extLst>
-                  <a:ext uri="{0D108BD9-81ED-4DB2-BD59-A6C34878D82A}">
-                    <a16:rowId xmlns:a16="http://schemas.microsoft.com/office/drawing/2014/main" val="1021160440"/>
-                  </a:ext>
-                </a:extLst>
-              </a:tr>
-            </a:tbl>
-          </a:graphicData>
-        </a:graphic>
-      </p:graphicFrame>
-      <p:pic>
-        <p:nvPicPr>
-          <p:cNvPr id="47139" name="Picture 35" descr="Naruto Run GIFs - Get the best GIF on GIPHY">
-            <a:extLst>
-              <a:ext uri="{FF2B5EF4-FFF2-40B4-BE49-F238E27FC236}">
-                <a16:creationId xmlns:a16="http://schemas.microsoft.com/office/drawing/2014/main" id="{B0814E8B-90FB-6244-8632-317809D239D9}"/>
-              </a:ext>
-            </a:extLst>
-          </p:cNvPr>
-          <p:cNvPicPr>
-            <a:picLocks noChangeAspect="1" noChangeArrowheads="1"/>
-          </p:cNvPicPr>
-          <p:nvPr/>
-        </p:nvPicPr>
-        <p:blipFill rotWithShape="1">
-          <a:blip r:embed="rId7">
-            <a:extLst>
-              <a:ext uri="{28A0092B-C50C-407E-A947-70E740481C1C}">
-                <a14:useLocalDpi xmlns:a14="http://schemas.microsoft.com/office/drawing/2010/main" val="0"/>
-              </a:ext>
-            </a:extLst>
-          </a:blip>
-          <a:srcRect l="13603" r="11357"/>
-          <a:stretch/>
-        </p:blipFill>
-        <p:spPr bwMode="auto">
-          <a:xfrm flipH="1">
-            <a:off x="7924800" y="451404"/>
-            <a:ext cx="2146300" cy="1345960"/>
-          </a:xfrm>
-          <a:prstGeom prst="rect">
-            <a:avLst/>
-          </a:prstGeom>
-          <a:noFill/>
-          <a:ln>
-            <a:solidFill>
-              <a:schemeClr val="tx1"/>
-            </a:solidFill>
-          </a:ln>
-          <a:extLst>
-            <a:ext uri="{909E8E84-426E-40DD-AFC4-6F175D3DCCD1}">
-              <a14:hiddenFill xmlns:a14="http://schemas.microsoft.com/office/drawing/2010/main">
-                <a:solidFill>
-                  <a:srgbClr val="FFFFFF"/>
-                </a:solidFill>
-              </a14:hiddenFill>
-            </a:ext>
-          </a:extLst>
-        </p:spPr>
-      </p:pic>
-    </p:spTree>
-    <p:extLst>
-      <p:ext uri="{BB962C8B-B14F-4D97-AF65-F5344CB8AC3E}">
-        <p14:creationId xmlns:p14="http://schemas.microsoft.com/office/powerpoint/2010/main" val="3894032488"/>
-      </p:ext>
-    </p:extLst>
-  </p:cSld>
-  <p:clrMapOvr>
-    <a:masterClrMapping/>
-  </p:clrMapOvr>
-</p:sld>
-</file>
-
-<file path=ppt/slides/slide7.xml><?xml version="1.0" encoding="utf-8"?>
-<p:sld xmlns:a="http://schemas.openxmlformats.org/drawingml/2006/main" xmlns:r="http://schemas.openxmlformats.org/officeDocument/2006/relationships" xmlns:p="http://schemas.openxmlformats.org/presentationml/2006/main">
-  <p:cSld>
-    <p:spTree>
-      <p:nvGrpSpPr>
-        <p:cNvPr id="1" name=""/>
-        <p:cNvGrpSpPr/>
-        <p:nvPr/>
-      </p:nvGrpSpPr>
-      <p:grpSpPr>
-        <a:xfrm>
-          <a:off x="0" y="0"/>
-          <a:ext cx="0" cy="0"/>
-          <a:chOff x="0" y="0"/>
-          <a:chExt cx="0" cy="0"/>
-        </a:xfrm>
-      </p:grpSpPr>
-      <p:graphicFrame>
-        <p:nvGraphicFramePr>
-          <p:cNvPr id="4" name="Object 3" hidden="1">
-            <a:extLst>
-              <a:ext uri="{FF2B5EF4-FFF2-40B4-BE49-F238E27FC236}">
-                <a16:creationId xmlns:a16="http://schemas.microsoft.com/office/drawing/2014/main" id="{D8258D3F-ECB1-BE4E-A14C-6FADCABE937F}"/>
-              </a:ext>
-            </a:extLst>
-          </p:cNvPr>
-          <p:cNvGraphicFramePr>
-            <a:graphicFrameLocks noChangeAspect="1"/>
-          </p:cNvGraphicFramePr>
-          <p:nvPr>
-            <p:custDataLst>
-              <p:tags r:id="rId2"/>
-            </p:custDataLst>
-          </p:nvPr>
-        </p:nvGraphicFramePr>
-        <p:xfrm>
-          <a:off x="1588" y="1588"/>
-          <a:ext cx="1227" cy="1588"/>
-        </p:xfrm>
-        <a:graphic>
-          <a:graphicData uri="http://schemas.openxmlformats.org/presentationml/2006/ole">
-            <mc:AlternateContent xmlns:mc="http://schemas.openxmlformats.org/markup-compatibility/2006">
-              <mc:Choice xmlns:v="urn:schemas-microsoft-com:vml" Requires="v">
-                <p:oleObj spid="_x0000_s53256" name="think-cell Slide" r:id="rId4" imgW="7772400" imgH="10058400" progId="TCLayout.ActiveDocument.1">
-                  <p:embed/>
-                </p:oleObj>
-              </mc:Choice>
-              <mc:Fallback>
-                <p:oleObj name="think-cell Slide" r:id="rId4" imgW="7772400" imgH="10058400" progId="TCLayout.ActiveDocument.1">
-                  <p:embed/>
-                  <p:pic>
-                    <p:nvPicPr>
-                      <p:cNvPr id="4" name="Object 3" hidden="1">
-                        <a:extLst>
-                          <a:ext uri="{FF2B5EF4-FFF2-40B4-BE49-F238E27FC236}">
-                            <a16:creationId xmlns:a16="http://schemas.microsoft.com/office/drawing/2014/main" id="{D8258D3F-ECB1-BE4E-A14C-6FADCABE937F}"/>
-                          </a:ext>
-                        </a:extLst>
-                      </p:cNvPr>
-                      <p:cNvPicPr/>
-                      <p:nvPr/>
-                    </p:nvPicPr>
-                    <p:blipFill>
-                      <a:blip r:embed="rId5"/>
-                      <a:stretch>
-                        <a:fillRect/>
-                      </a:stretch>
-                    </p:blipFill>
-                    <p:spPr>
-                      <a:xfrm>
-                        <a:off x="1588" y="1588"/>
-                        <a:ext cx="1227" cy="1588"/>
-                      </a:xfrm>
-                      <a:prstGeom prst="rect">
-                        <a:avLst/>
-                      </a:prstGeom>
-                    </p:spPr>
-                  </p:pic>
-                </p:oleObj>
-              </mc:Fallback>
-            </mc:AlternateContent>
-          </a:graphicData>
-        </a:graphic>
-      </p:graphicFrame>
-      <p:pic>
-        <p:nvPicPr>
-          <p:cNvPr id="47106" name="Picture 2" descr="baby penguin waddle penguins cute bird animal penguin GIF">
-            <a:extLst>
-              <a:ext uri="{FF2B5EF4-FFF2-40B4-BE49-F238E27FC236}">
-                <a16:creationId xmlns:a16="http://schemas.microsoft.com/office/drawing/2014/main" id="{B2B7E5E2-408B-D845-B8C3-DB3294E75375}"/>
-              </a:ext>
-            </a:extLst>
-          </p:cNvPr>
-          <p:cNvPicPr>
-            <a:picLocks noChangeAspect="1" noChangeArrowheads="1"/>
-          </p:cNvPicPr>
-          <p:nvPr/>
-        </p:nvPicPr>
-        <p:blipFill>
-          <a:blip r:embed="rId6">
-            <a:extLst>
-              <a:ext uri="{28A0092B-C50C-407E-A947-70E740481C1C}">
-                <a14:useLocalDpi xmlns:a14="http://schemas.microsoft.com/office/drawing/2010/main" val="0"/>
-              </a:ext>
-            </a:extLst>
-          </a:blip>
-          <a:srcRect/>
-          <a:stretch>
-            <a:fillRect/>
-          </a:stretch>
-        </p:blipFill>
-        <p:spPr bwMode="auto">
-          <a:xfrm>
-            <a:off x="4208117" y="446904"/>
-            <a:ext cx="1811683" cy="1356174"/>
-          </a:xfrm>
-          <a:prstGeom prst="rect">
-            <a:avLst/>
-          </a:prstGeom>
-          <a:noFill/>
-          <a:ln>
-            <a:solidFill>
-              <a:schemeClr val="tx1"/>
-            </a:solidFill>
-          </a:ln>
-          <a:extLst>
-            <a:ext uri="{909E8E84-426E-40DD-AFC4-6F175D3DCCD1}">
-              <a14:hiddenFill xmlns:a14="http://schemas.microsoft.com/office/drawing/2010/main">
-                <a:solidFill>
-                  <a:srgbClr val="FFFFFF"/>
-                </a:solidFill>
-              </a14:hiddenFill>
-            </a:ext>
-          </a:extLst>
-        </p:spPr>
-      </p:pic>
-      <p:graphicFrame>
-        <p:nvGraphicFramePr>
-          <p:cNvPr id="5" name="Table 5">
-            <a:extLst>
-              <a:ext uri="{FF2B5EF4-FFF2-40B4-BE49-F238E27FC236}">
-                <a16:creationId xmlns:a16="http://schemas.microsoft.com/office/drawing/2014/main" id="{DA230081-3EEA-6345-95CD-78D39516D8CD}"/>
-              </a:ext>
-            </a:extLst>
-          </p:cNvPr>
-          <p:cNvGraphicFramePr>
-            <a:graphicFrameLocks noGrp="1"/>
-          </p:cNvGraphicFramePr>
-          <p:nvPr>
-            <p:extLst>
-              <p:ext uri="{D42A27DB-BD31-4B8C-83A1-F6EECF244321}">
-                <p14:modId xmlns:p14="http://schemas.microsoft.com/office/powerpoint/2010/main" val="1264675158"/>
-              </p:ext>
-            </p:extLst>
-          </p:nvPr>
-        </p:nvGraphicFramePr>
-        <p:xfrm>
-          <a:off x="939801" y="2040755"/>
-          <a:ext cx="10312398" cy="2121494"/>
-        </p:xfrm>
-        <a:graphic>
-          <a:graphicData uri="http://schemas.openxmlformats.org/drawingml/2006/table">
-            <a:tbl>
-              <a:tblPr firstRow="1" bandRow="1">
-                <a:tableStyleId>{C083E6E3-FA7D-4D7B-A595-EF9225AFEA82}</a:tableStyleId>
-              </a:tblPr>
-              <a:tblGrid>
-                <a:gridCol w="3136900">
-                  <a:extLst>
-                    <a:ext uri="{9D8B030D-6E8A-4147-A177-3AD203B41FA5}">
-                      <a16:colId xmlns:a16="http://schemas.microsoft.com/office/drawing/2014/main" val="1374774419"/>
-                    </a:ext>
-                  </a:extLst>
-                </a:gridCol>
-                <a:gridCol w="3738032">
-                  <a:extLst>
-                    <a:ext uri="{9D8B030D-6E8A-4147-A177-3AD203B41FA5}">
-                      <a16:colId xmlns:a16="http://schemas.microsoft.com/office/drawing/2014/main" val="2445321001"/>
-                    </a:ext>
-                  </a:extLst>
-                </a:gridCol>
-                <a:gridCol w="3437466">
-                  <a:extLst>
-                    <a:ext uri="{9D8B030D-6E8A-4147-A177-3AD203B41FA5}">
-                      <a16:colId xmlns:a16="http://schemas.microsoft.com/office/drawing/2014/main" val="1283430550"/>
-                    </a:ext>
-                  </a:extLst>
-                </a:gridCol>
-              </a:tblGrid>
-              <a:tr h="475574">
-                <a:tc>
-                  <a:txBody>
-                    <a:bodyPr/>
-                    <a:lstStyle/>
-                    <a:p>
-                      <a:endParaRPr lang="en-US" sz="2400" dirty="0">
-                        <a:solidFill>
-                          <a:schemeClr val="tx2"/>
-                        </a:solidFill>
-                        <a:latin typeface="Trebuchet MS" panose="020B0703020202090204" pitchFamily="34" charset="0"/>
-                      </a:endParaRPr>
-                    </a:p>
-                  </a:txBody>
-                  <a:tcPr anchor="ctr"/>
-                </a:tc>
-                <a:tc>
-                  <a:txBody>
-                    <a:bodyPr/>
-                    <a:lstStyle/>
-                    <a:p>
-                      <a:pPr algn="l"/>
-                      <a:r>
-                        <a:rPr lang="en-US" sz="2400" dirty="0">
-                          <a:solidFill>
-                            <a:schemeClr val="tx1"/>
-                          </a:solidFill>
-                          <a:latin typeface="Trebuchet MS" panose="020B0703020202090204" pitchFamily="34" charset="0"/>
-                        </a:rPr>
-                        <a:t>Old Agent</a:t>
-                      </a:r>
-                    </a:p>
-                  </a:txBody>
-                  <a:tcPr anchor="ctr"/>
-                </a:tc>
-                <a:tc>
-                  <a:txBody>
-                    <a:bodyPr/>
-                    <a:lstStyle/>
-                    <a:p>
-                      <a:pPr algn="l"/>
-                      <a:r>
-                        <a:rPr lang="en-US" sz="2400" dirty="0">
-                          <a:solidFill>
-                            <a:schemeClr val="tx1"/>
-                          </a:solidFill>
-                          <a:latin typeface="Trebuchet MS" panose="020B0703020202090204" pitchFamily="34" charset="0"/>
-                        </a:rPr>
-                        <a:t>New Agent</a:t>
-                      </a:r>
-                    </a:p>
-                  </a:txBody>
-                  <a:tcPr anchor="ctr"/>
-                </a:tc>
-                <a:extLst>
-                  <a:ext uri="{0D108BD9-81ED-4DB2-BD59-A6C34878D82A}">
-                    <a16:rowId xmlns:a16="http://schemas.microsoft.com/office/drawing/2014/main" val="4008060513"/>
-                  </a:ext>
-                </a:extLst>
-              </a:tr>
-              <a:tr h="444308">
+              <a:tr h="404641">
                 <a:tc>
                   <a:txBody>
                     <a:bodyPr/>
@@ -6765,7 +6058,7 @@
                   </a:ext>
                 </a:extLst>
               </a:tr>
-              <a:tr h="1155201">
+              <a:tr h="1375778">
                 <a:tc>
                   <a:txBody>
                     <a:bodyPr/>
@@ -6830,6 +6123,17 @@
                         <a:t>Torso bouncing penalty </a:t>
                       </a:r>
                     </a:p>
+                    <a:p>
+                      <a:r>
+                        <a:rPr lang="en-US" sz="2400" dirty="0">
+                          <a:solidFill>
+                            <a:schemeClr val="tx2"/>
+                          </a:solidFill>
+                          <a:latin typeface="Trebuchet MS" panose="020B0703020202090204" pitchFamily="34" charset="0"/>
+                        </a:rPr>
+                        <a:t>Knee angle penalty </a:t>
+                      </a:r>
+                    </a:p>
                   </a:txBody>
                   <a:tcPr anchor="ctr">
                     <a:solidFill>
@@ -6877,10 +6181,10 @@
       </p:graphicFrame>
       <p:pic>
         <p:nvPicPr>
-          <p:cNvPr id="47139" name="Picture 35" descr="Naruto Run GIFs - Get the best GIF on GIPHY">
+          <p:cNvPr id="8" name="Picture 35" descr="Naruto Run GIFs - Get the best GIF on GIPHY">
             <a:extLst>
               <a:ext uri="{FF2B5EF4-FFF2-40B4-BE49-F238E27FC236}">
-                <a16:creationId xmlns:a16="http://schemas.microsoft.com/office/drawing/2014/main" id="{B0814E8B-90FB-6244-8632-317809D239D9}"/>
+                <a16:creationId xmlns:a16="http://schemas.microsoft.com/office/drawing/2014/main" id="{0E99F92F-EB8F-EA41-A084-4FD376D461E7}"/>
               </a:ext>
             </a:extLst>
           </p:cNvPr>
@@ -6890,7 +6194,7 @@
           <p:nvPr/>
         </p:nvPicPr>
         <p:blipFill rotWithShape="1">
-          <a:blip r:embed="rId7">
+          <a:blip r:embed="rId8">
             <a:extLst>
               <a:ext uri="{28A0092B-C50C-407E-A947-70E740481C1C}">
                 <a14:useLocalDpi xmlns:a14="http://schemas.microsoft.com/office/drawing/2010/main" val="0"/>
@@ -6902,7 +6206,7 @@
         </p:blipFill>
         <p:spPr bwMode="auto">
           <a:xfrm flipH="1">
-            <a:off x="7924800" y="451404"/>
+            <a:off x="7924800" y="228120"/>
             <a:ext cx="2146300" cy="1345960"/>
           </a:xfrm>
           <a:prstGeom prst="rect">
@@ -6938,7 +6242,7 @@
 </p:sld>
 </file>
 
-<file path=ppt/slides/slide8.xml><?xml version="1.0" encoding="utf-8"?>
+<file path=ppt/slides/slide7.xml><?xml version="1.0" encoding="utf-8"?>
 <p:sld xmlns:a="http://schemas.openxmlformats.org/drawingml/2006/main" xmlns:r="http://schemas.openxmlformats.org/officeDocument/2006/relationships" xmlns:p="http://schemas.openxmlformats.org/presentationml/2006/main">
   <p:cSld>
     <p:spTree>
@@ -6981,12 +6285,12 @@
           <a:graphicData uri="http://schemas.openxmlformats.org/presentationml/2006/ole">
             <mc:AlternateContent xmlns:mc="http://schemas.openxmlformats.org/markup-compatibility/2006">
               <mc:Choice xmlns:v="urn:schemas-microsoft-com:vml" Requires="v">
-                <p:oleObj spid="_x0000_s54278" name="think-cell Slide" r:id="rId4" imgW="7772400" imgH="10058400" progId="TCLayout.ActiveDocument.1">
+                <p:oleObj spid="_x0000_s54366" name="think-cell Slide" r:id="rId5" imgW="7772400" imgH="10058400" progId="TCLayout.ActiveDocument.1">
                   <p:embed/>
                 </p:oleObj>
               </mc:Choice>
               <mc:Fallback>
-                <p:oleObj name="think-cell Slide" r:id="rId4" imgW="7772400" imgH="10058400" progId="TCLayout.ActiveDocument.1">
+                <p:oleObj name="think-cell Slide" r:id="rId5" imgW="7772400" imgH="10058400" progId="TCLayout.ActiveDocument.1">
                   <p:embed/>
                   <p:pic>
                     <p:nvPicPr>
@@ -7001,7 +6305,7 @@
                       <p:nvPr/>
                     </p:nvPicPr>
                     <p:blipFill>
-                      <a:blip r:embed="rId5"/>
+                      <a:blip r:embed="rId6"/>
                       <a:stretch>
                         <a:fillRect/>
                       </a:stretch>
@@ -7024,10 +6328,10 @@
       </p:graphicFrame>
       <p:pic>
         <p:nvPicPr>
-          <p:cNvPr id="47106" name="Picture 2" descr="baby penguin waddle penguins cute bird animal penguin GIF">
+          <p:cNvPr id="6" name="Picture 2" descr="baby penguin waddle penguins cute bird animal penguin GIF">
             <a:extLst>
               <a:ext uri="{FF2B5EF4-FFF2-40B4-BE49-F238E27FC236}">
-                <a16:creationId xmlns:a16="http://schemas.microsoft.com/office/drawing/2014/main" id="{B2B7E5E2-408B-D845-B8C3-DB3294E75375}"/>
+                <a16:creationId xmlns:a16="http://schemas.microsoft.com/office/drawing/2014/main" id="{476A7155-E2B2-E548-8390-C743CA6BE5CE}"/>
               </a:ext>
             </a:extLst>
           </p:cNvPr>
@@ -7037,7 +6341,7 @@
           <p:nvPr/>
         </p:nvPicPr>
         <p:blipFill>
-          <a:blip r:embed="rId6">
+          <a:blip r:embed="rId7">
             <a:extLst>
               <a:ext uri="{28A0092B-C50C-407E-A947-70E740481C1C}">
                 <a14:useLocalDpi xmlns:a14="http://schemas.microsoft.com/office/drawing/2010/main" val="0"/>
@@ -7051,7 +6355,7 @@
         </p:blipFill>
         <p:spPr bwMode="auto">
           <a:xfrm>
-            <a:off x="4208117" y="446904"/>
+            <a:off x="4208117" y="223620"/>
             <a:ext cx="1811683" cy="1356174"/>
           </a:xfrm>
           <a:prstGeom prst="rect">
@@ -7076,10 +6380,10 @@
       </p:pic>
       <p:graphicFrame>
         <p:nvGraphicFramePr>
-          <p:cNvPr id="5" name="Table 5">
+          <p:cNvPr id="7" name="Table 5">
             <a:extLst>
               <a:ext uri="{FF2B5EF4-FFF2-40B4-BE49-F238E27FC236}">
-                <a16:creationId xmlns:a16="http://schemas.microsoft.com/office/drawing/2014/main" id="{DA230081-3EEA-6345-95CD-78D39516D8CD}"/>
+                <a16:creationId xmlns:a16="http://schemas.microsoft.com/office/drawing/2014/main" id="{2443F94E-F78E-A24B-AC8A-D3E7CFA9C79A}"/>
               </a:ext>
             </a:extLst>
           </p:cNvPr>
@@ -7089,14 +6393,14 @@
           <p:nvPr>
             <p:extLst>
               <p:ext uri="{D42A27DB-BD31-4B8C-83A1-F6EECF244321}">
-                <p14:modId xmlns:p14="http://schemas.microsoft.com/office/powerpoint/2010/main" val="2983658691"/>
+                <p14:modId xmlns:p14="http://schemas.microsoft.com/office/powerpoint/2010/main" val="2355379533"/>
               </p:ext>
             </p:extLst>
           </p:nvPr>
         </p:nvGraphicFramePr>
         <p:xfrm>
-          <a:off x="939801" y="2040755"/>
-          <a:ext cx="10312398" cy="2944454"/>
+          <a:off x="939801" y="1817471"/>
+          <a:ext cx="10312398" cy="3291840"/>
         </p:xfrm>
         <a:graphic>
           <a:graphicData uri="http://schemas.openxmlformats.org/drawingml/2006/table">
@@ -7127,7 +6431,7 @@
                   </a:extLst>
                 </a:gridCol>
               </a:tblGrid>
-              <a:tr h="475574">
+              <a:tr h="420902">
                 <a:tc>
                   <a:txBody>
                     <a:bodyPr/>
@@ -7187,7 +6491,7 @@
                   </a:ext>
                 </a:extLst>
               </a:tr>
-              <a:tr h="444308">
+              <a:tr h="404641">
                 <a:tc>
                   <a:txBody>
                     <a:bodyPr/>
@@ -7256,7 +6560,7 @@
                   </a:ext>
                 </a:extLst>
               </a:tr>
-              <a:tr h="1155201">
+              <a:tr h="1375778">
                 <a:tc>
                   <a:txBody>
                     <a:bodyPr/>
@@ -7316,6 +6620,17 @@
                         <a:t>Torso bouncing penalty </a:t>
                       </a:r>
                     </a:p>
+                    <a:p>
+                      <a:r>
+                        <a:rPr lang="en-US" sz="2400" dirty="0">
+                          <a:solidFill>
+                            <a:schemeClr val="tx2"/>
+                          </a:solidFill>
+                          <a:latin typeface="Trebuchet MS" panose="020B0703020202090204" pitchFamily="34" charset="0"/>
+                        </a:rPr>
+                        <a:t>Knee angle penalty </a:t>
+                      </a:r>
+                    </a:p>
                   </a:txBody>
                   <a:tcPr anchor="ctr">
                     <a:noFill/>
@@ -7347,7 +6662,7 @@
                   </a:ext>
                 </a:extLst>
               </a:tr>
-              <a:tr h="799754">
+              <a:tr h="728353">
                 <a:tc>
                   <a:txBody>
                     <a:bodyPr/>
@@ -7448,10 +6763,10 @@
       </p:graphicFrame>
       <p:pic>
         <p:nvPicPr>
-          <p:cNvPr id="47139" name="Picture 35" descr="Naruto Run GIFs - Get the best GIF on GIPHY">
+          <p:cNvPr id="8" name="Picture 35" descr="Naruto Run GIFs - Get the best GIF on GIPHY">
             <a:extLst>
               <a:ext uri="{FF2B5EF4-FFF2-40B4-BE49-F238E27FC236}">
-                <a16:creationId xmlns:a16="http://schemas.microsoft.com/office/drawing/2014/main" id="{B0814E8B-90FB-6244-8632-317809D239D9}"/>
+                <a16:creationId xmlns:a16="http://schemas.microsoft.com/office/drawing/2014/main" id="{B1C1EDFE-A1E9-0147-A1D3-58034BB2E72C}"/>
               </a:ext>
             </a:extLst>
           </p:cNvPr>
@@ -7461,7 +6776,7 @@
           <p:nvPr/>
         </p:nvPicPr>
         <p:blipFill rotWithShape="1">
-          <a:blip r:embed="rId7">
+          <a:blip r:embed="rId8">
             <a:extLst>
               <a:ext uri="{28A0092B-C50C-407E-A947-70E740481C1C}">
                 <a14:useLocalDpi xmlns:a14="http://schemas.microsoft.com/office/drawing/2010/main" val="0"/>
@@ -7473,7 +6788,7 @@
         </p:blipFill>
         <p:spPr bwMode="auto">
           <a:xfrm flipH="1">
-            <a:off x="7924800" y="451404"/>
+            <a:off x="7924800" y="228120"/>
             <a:ext cx="2146300" cy="1345960"/>
           </a:xfrm>
           <a:prstGeom prst="rect">
@@ -7509,7 +6824,7 @@
 </p:sld>
 </file>
 
-<file path=ppt/slides/slide9.xml><?xml version="1.0" encoding="utf-8"?>
+<file path=ppt/slides/slide8.xml><?xml version="1.0" encoding="utf-8"?>
 <p:sld xmlns:a="http://schemas.openxmlformats.org/drawingml/2006/main" xmlns:r="http://schemas.openxmlformats.org/officeDocument/2006/relationships" xmlns:p="http://schemas.openxmlformats.org/presentationml/2006/main">
   <p:cSld>
     <p:spTree>
@@ -7552,12 +6867,12 @@
           <a:graphicData uri="http://schemas.openxmlformats.org/presentationml/2006/ole">
             <mc:AlternateContent xmlns:mc="http://schemas.openxmlformats.org/markup-compatibility/2006">
               <mc:Choice xmlns:v="urn:schemas-microsoft-com:vml" Requires="v">
-                <p:oleObj spid="_x0000_s55302" name="think-cell Slide" r:id="rId4" imgW="7772400" imgH="10058400" progId="TCLayout.ActiveDocument.1">
+                <p:oleObj spid="_x0000_s55390" name="think-cell Slide" r:id="rId5" imgW="7772400" imgH="10058400" progId="TCLayout.ActiveDocument.1">
                   <p:embed/>
                 </p:oleObj>
               </mc:Choice>
               <mc:Fallback>
-                <p:oleObj name="think-cell Slide" r:id="rId4" imgW="7772400" imgH="10058400" progId="TCLayout.ActiveDocument.1">
+                <p:oleObj name="think-cell Slide" r:id="rId5" imgW="7772400" imgH="10058400" progId="TCLayout.ActiveDocument.1">
                   <p:embed/>
                   <p:pic>
                     <p:nvPicPr>
@@ -7572,7 +6887,7 @@
                       <p:nvPr/>
                     </p:nvPicPr>
                     <p:blipFill>
-                      <a:blip r:embed="rId5"/>
+                      <a:blip r:embed="rId6"/>
                       <a:stretch>
                         <a:fillRect/>
                       </a:stretch>
@@ -7595,10 +6910,10 @@
       </p:graphicFrame>
       <p:pic>
         <p:nvPicPr>
-          <p:cNvPr id="47106" name="Picture 2" descr="baby penguin waddle penguins cute bird animal penguin GIF">
+          <p:cNvPr id="6" name="Picture 2" descr="baby penguin waddle penguins cute bird animal penguin GIF">
             <a:extLst>
               <a:ext uri="{FF2B5EF4-FFF2-40B4-BE49-F238E27FC236}">
-                <a16:creationId xmlns:a16="http://schemas.microsoft.com/office/drawing/2014/main" id="{B2B7E5E2-408B-D845-B8C3-DB3294E75375}"/>
+                <a16:creationId xmlns:a16="http://schemas.microsoft.com/office/drawing/2014/main" id="{41234CCE-FCCA-354F-A01E-80B1B991C9E1}"/>
               </a:ext>
             </a:extLst>
           </p:cNvPr>
@@ -7608,7 +6923,7 @@
           <p:nvPr/>
         </p:nvPicPr>
         <p:blipFill>
-          <a:blip r:embed="rId6">
+          <a:blip r:embed="rId7">
             <a:extLst>
               <a:ext uri="{28A0092B-C50C-407E-A947-70E740481C1C}">
                 <a14:useLocalDpi xmlns:a14="http://schemas.microsoft.com/office/drawing/2010/main" val="0"/>
@@ -7622,7 +6937,7 @@
         </p:blipFill>
         <p:spPr bwMode="auto">
           <a:xfrm>
-            <a:off x="4208117" y="446904"/>
+            <a:off x="4208117" y="223620"/>
             <a:ext cx="1811683" cy="1356174"/>
           </a:xfrm>
           <a:prstGeom prst="rect">
@@ -7647,10 +6962,10 @@
       </p:pic>
       <p:graphicFrame>
         <p:nvGraphicFramePr>
-          <p:cNvPr id="5" name="Table 5">
+          <p:cNvPr id="7" name="Table 5">
             <a:extLst>
               <a:ext uri="{FF2B5EF4-FFF2-40B4-BE49-F238E27FC236}">
-                <a16:creationId xmlns:a16="http://schemas.microsoft.com/office/drawing/2014/main" id="{DA230081-3EEA-6345-95CD-78D39516D8CD}"/>
+                <a16:creationId xmlns:a16="http://schemas.microsoft.com/office/drawing/2014/main" id="{BFB1F97B-6456-4A4C-A68E-518AA33E9BFD}"/>
               </a:ext>
             </a:extLst>
           </p:cNvPr>
@@ -7660,14 +6975,14 @@
           <p:nvPr>
             <p:extLst>
               <p:ext uri="{D42A27DB-BD31-4B8C-83A1-F6EECF244321}">
-                <p14:modId xmlns:p14="http://schemas.microsoft.com/office/powerpoint/2010/main" val="2222982863"/>
+                <p14:modId xmlns:p14="http://schemas.microsoft.com/office/powerpoint/2010/main" val="861072076"/>
               </p:ext>
             </p:extLst>
           </p:nvPr>
         </p:nvGraphicFramePr>
         <p:xfrm>
-          <a:off x="939801" y="2040755"/>
-          <a:ext cx="10312398" cy="3767414"/>
+          <a:off x="939801" y="1817471"/>
+          <a:ext cx="10312398" cy="4114800"/>
         </p:xfrm>
         <a:graphic>
           <a:graphicData uri="http://schemas.openxmlformats.org/drawingml/2006/table">
@@ -7698,7 +7013,7 @@
                   </a:extLst>
                 </a:gridCol>
               </a:tblGrid>
-              <a:tr h="475574">
+              <a:tr h="420902">
                 <a:tc>
                   <a:txBody>
                     <a:bodyPr/>
@@ -7758,7 +7073,7 @@
                   </a:ext>
                 </a:extLst>
               </a:tr>
-              <a:tr h="444308">
+              <a:tr h="404641">
                 <a:tc>
                   <a:txBody>
                     <a:bodyPr/>
@@ -7827,7 +7142,7 @@
                   </a:ext>
                 </a:extLst>
               </a:tr>
-              <a:tr h="1155201">
+              <a:tr h="1375778">
                 <a:tc>
                   <a:txBody>
                     <a:bodyPr/>
@@ -7887,6 +7202,17 @@
                         <a:t>Torso bouncing penalty </a:t>
                       </a:r>
                     </a:p>
+                    <a:p>
+                      <a:r>
+                        <a:rPr lang="en-US" sz="2400" dirty="0">
+                          <a:solidFill>
+                            <a:schemeClr val="tx2"/>
+                          </a:solidFill>
+                          <a:latin typeface="Trebuchet MS" panose="020B0703020202090204" pitchFamily="34" charset="0"/>
+                        </a:rPr>
+                        <a:t>Knee angle penalty </a:t>
+                      </a:r>
+                    </a:p>
                   </a:txBody>
                   <a:tcPr anchor="ctr">
                     <a:noFill/>
@@ -7918,7 +7244,7 @@
                   </a:ext>
                 </a:extLst>
               </a:tr>
-              <a:tr h="799754">
+              <a:tr h="728353">
                 <a:tc>
                   <a:txBody>
                     <a:bodyPr/>
@@ -7998,7 +7324,7 @@
                   </a:ext>
                 </a:extLst>
               </a:tr>
-              <a:tr h="799754">
+              <a:tr h="728353">
                 <a:tc>
                   <a:txBody>
                     <a:bodyPr/>
@@ -8119,10 +7445,10 @@
       </p:graphicFrame>
       <p:pic>
         <p:nvPicPr>
-          <p:cNvPr id="47139" name="Picture 35" descr="Naruto Run GIFs - Get the best GIF on GIPHY">
+          <p:cNvPr id="8" name="Picture 35" descr="Naruto Run GIFs - Get the best GIF on GIPHY">
             <a:extLst>
               <a:ext uri="{FF2B5EF4-FFF2-40B4-BE49-F238E27FC236}">
-                <a16:creationId xmlns:a16="http://schemas.microsoft.com/office/drawing/2014/main" id="{B0814E8B-90FB-6244-8632-317809D239D9}"/>
+                <a16:creationId xmlns:a16="http://schemas.microsoft.com/office/drawing/2014/main" id="{0A51B803-E6D3-0D4A-BFAD-0820C69C2060}"/>
               </a:ext>
             </a:extLst>
           </p:cNvPr>
@@ -8132,7 +7458,7 @@
           <p:nvPr/>
         </p:nvPicPr>
         <p:blipFill rotWithShape="1">
-          <a:blip r:embed="rId7">
+          <a:blip r:embed="rId8">
             <a:extLst>
               <a:ext uri="{28A0092B-C50C-407E-A947-70E740481C1C}">
                 <a14:useLocalDpi xmlns:a14="http://schemas.microsoft.com/office/drawing/2010/main" val="0"/>
@@ -8144,7 +7470,7 @@
         </p:blipFill>
         <p:spPr bwMode="auto">
           <a:xfrm flipH="1">
-            <a:off x="7924800" y="451404"/>
+            <a:off x="7924800" y="228120"/>
             <a:ext cx="2146300" cy="1345960"/>
           </a:xfrm>
           <a:prstGeom prst="rect">
@@ -8180,6 +7506,757 @@
 </p:sld>
 </file>
 
+<file path=ppt/slides/slide9.xml><?xml version="1.0" encoding="utf-8"?>
+<p:sld xmlns:a="http://schemas.openxmlformats.org/drawingml/2006/main" xmlns:r="http://schemas.openxmlformats.org/officeDocument/2006/relationships" xmlns:p="http://schemas.openxmlformats.org/presentationml/2006/main">
+  <p:cSld>
+    <p:spTree>
+      <p:nvGrpSpPr>
+        <p:cNvPr id="1" name=""/>
+        <p:cNvGrpSpPr/>
+        <p:nvPr/>
+      </p:nvGrpSpPr>
+      <p:grpSpPr>
+        <a:xfrm>
+          <a:off x="0" y="0"/>
+          <a:ext cx="0" cy="0"/>
+          <a:chOff x="0" y="0"/>
+          <a:chExt cx="0" cy="0"/>
+        </a:xfrm>
+      </p:grpSpPr>
+      <p:graphicFrame>
+        <p:nvGraphicFramePr>
+          <p:cNvPr id="4" name="Object 3" hidden="1">
+            <a:extLst>
+              <a:ext uri="{FF2B5EF4-FFF2-40B4-BE49-F238E27FC236}">
+                <a16:creationId xmlns:a16="http://schemas.microsoft.com/office/drawing/2014/main" id="{D8258D3F-ECB1-BE4E-A14C-6FADCABE937F}"/>
+              </a:ext>
+            </a:extLst>
+          </p:cNvPr>
+          <p:cNvGraphicFramePr>
+            <a:graphicFrameLocks noChangeAspect="1"/>
+          </p:cNvGraphicFramePr>
+          <p:nvPr>
+            <p:custDataLst>
+              <p:tags r:id="rId2"/>
+            </p:custDataLst>
+          </p:nvPr>
+        </p:nvGraphicFramePr>
+        <p:xfrm>
+          <a:off x="1588" y="1588"/>
+          <a:ext cx="1227" cy="1588"/>
+        </p:xfrm>
+        <a:graphic>
+          <a:graphicData uri="http://schemas.openxmlformats.org/presentationml/2006/ole">
+            <mc:AlternateContent xmlns:mc="http://schemas.openxmlformats.org/markup-compatibility/2006">
+              <mc:Choice xmlns:v="urn:schemas-microsoft-com:vml" Requires="v">
+                <p:oleObj spid="_x0000_s56414" name="think-cell Slide" r:id="rId5" imgW="7772400" imgH="10058400" progId="TCLayout.ActiveDocument.1">
+                  <p:embed/>
+                </p:oleObj>
+              </mc:Choice>
+              <mc:Fallback>
+                <p:oleObj name="think-cell Slide" r:id="rId5" imgW="7772400" imgH="10058400" progId="TCLayout.ActiveDocument.1">
+                  <p:embed/>
+                  <p:pic>
+                    <p:nvPicPr>
+                      <p:cNvPr id="4" name="Object 3" hidden="1">
+                        <a:extLst>
+                          <a:ext uri="{FF2B5EF4-FFF2-40B4-BE49-F238E27FC236}">
+                            <a16:creationId xmlns:a16="http://schemas.microsoft.com/office/drawing/2014/main" id="{D8258D3F-ECB1-BE4E-A14C-6FADCABE937F}"/>
+                          </a:ext>
+                        </a:extLst>
+                      </p:cNvPr>
+                      <p:cNvPicPr/>
+                      <p:nvPr/>
+                    </p:nvPicPr>
+                    <p:blipFill>
+                      <a:blip r:embed="rId6"/>
+                      <a:stretch>
+                        <a:fillRect/>
+                      </a:stretch>
+                    </p:blipFill>
+                    <p:spPr>
+                      <a:xfrm>
+                        <a:off x="1588" y="1588"/>
+                        <a:ext cx="1227" cy="1588"/>
+                      </a:xfrm>
+                      <a:prstGeom prst="rect">
+                        <a:avLst/>
+                      </a:prstGeom>
+                    </p:spPr>
+                  </p:pic>
+                </p:oleObj>
+              </mc:Fallback>
+            </mc:AlternateContent>
+          </a:graphicData>
+        </a:graphic>
+      </p:graphicFrame>
+      <p:pic>
+        <p:nvPicPr>
+          <p:cNvPr id="47106" name="Picture 2" descr="baby penguin waddle penguins cute bird animal penguin GIF">
+            <a:extLst>
+              <a:ext uri="{FF2B5EF4-FFF2-40B4-BE49-F238E27FC236}">
+                <a16:creationId xmlns:a16="http://schemas.microsoft.com/office/drawing/2014/main" id="{B2B7E5E2-408B-D845-B8C3-DB3294E75375}"/>
+              </a:ext>
+            </a:extLst>
+          </p:cNvPr>
+          <p:cNvPicPr>
+            <a:picLocks noChangeAspect="1" noChangeArrowheads="1"/>
+          </p:cNvPicPr>
+          <p:nvPr/>
+        </p:nvPicPr>
+        <p:blipFill>
+          <a:blip r:embed="rId7">
+            <a:extLst>
+              <a:ext uri="{28A0092B-C50C-407E-A947-70E740481C1C}">
+                <a14:useLocalDpi xmlns:a14="http://schemas.microsoft.com/office/drawing/2010/main" val="0"/>
+              </a:ext>
+            </a:extLst>
+          </a:blip>
+          <a:srcRect/>
+          <a:stretch>
+            <a:fillRect/>
+          </a:stretch>
+        </p:blipFill>
+        <p:spPr bwMode="auto">
+          <a:xfrm>
+            <a:off x="4208117" y="223620"/>
+            <a:ext cx="1811683" cy="1356174"/>
+          </a:xfrm>
+          <a:prstGeom prst="rect">
+            <a:avLst/>
+          </a:prstGeom>
+          <a:noFill/>
+          <a:ln>
+            <a:solidFill>
+              <a:schemeClr val="tx1"/>
+            </a:solidFill>
+          </a:ln>
+          <a:extLst>
+            <a:ext uri="{909E8E84-426E-40DD-AFC4-6F175D3DCCD1}">
+              <a14:hiddenFill xmlns:a14="http://schemas.microsoft.com/office/drawing/2010/main">
+                <a:solidFill>
+                  <a:srgbClr val="FFFFFF"/>
+                </a:solidFill>
+              </a14:hiddenFill>
+            </a:ext>
+          </a:extLst>
+        </p:spPr>
+      </p:pic>
+      <p:graphicFrame>
+        <p:nvGraphicFramePr>
+          <p:cNvPr id="5" name="Table 5">
+            <a:extLst>
+              <a:ext uri="{FF2B5EF4-FFF2-40B4-BE49-F238E27FC236}">
+                <a16:creationId xmlns:a16="http://schemas.microsoft.com/office/drawing/2014/main" id="{DA230081-3EEA-6345-95CD-78D39516D8CD}"/>
+              </a:ext>
+            </a:extLst>
+          </p:cNvPr>
+          <p:cNvGraphicFramePr>
+            <a:graphicFrameLocks noGrp="1"/>
+          </p:cNvGraphicFramePr>
+          <p:nvPr>
+            <p:extLst>
+              <p:ext uri="{D42A27DB-BD31-4B8C-83A1-F6EECF244321}">
+                <p14:modId xmlns:p14="http://schemas.microsoft.com/office/powerpoint/2010/main" val="2751782974"/>
+              </p:ext>
+            </p:extLst>
+          </p:nvPr>
+        </p:nvGraphicFramePr>
+        <p:xfrm>
+          <a:off x="939801" y="1817471"/>
+          <a:ext cx="10312398" cy="4822615"/>
+        </p:xfrm>
+        <a:graphic>
+          <a:graphicData uri="http://schemas.openxmlformats.org/drawingml/2006/table">
+            <a:tbl>
+              <a:tblPr firstRow="1" bandRow="1">
+                <a:tableStyleId>{C083E6E3-FA7D-4D7B-A595-EF9225AFEA82}</a:tableStyleId>
+              </a:tblPr>
+              <a:tblGrid>
+                <a:gridCol w="3136900">
+                  <a:extLst>
+                    <a:ext uri="{9D8B030D-6E8A-4147-A177-3AD203B41FA5}">
+                      <a16:colId xmlns:a16="http://schemas.microsoft.com/office/drawing/2014/main" val="1374774419"/>
+                    </a:ext>
+                  </a:extLst>
+                </a:gridCol>
+                <a:gridCol w="3738032">
+                  <a:extLst>
+                    <a:ext uri="{9D8B030D-6E8A-4147-A177-3AD203B41FA5}">
+                      <a16:colId xmlns:a16="http://schemas.microsoft.com/office/drawing/2014/main" val="2445321001"/>
+                    </a:ext>
+                  </a:extLst>
+                </a:gridCol>
+                <a:gridCol w="3437466">
+                  <a:extLst>
+                    <a:ext uri="{9D8B030D-6E8A-4147-A177-3AD203B41FA5}">
+                      <a16:colId xmlns:a16="http://schemas.microsoft.com/office/drawing/2014/main" val="1283430550"/>
+                    </a:ext>
+                  </a:extLst>
+                </a:gridCol>
+              </a:tblGrid>
+              <a:tr h="420902">
+                <a:tc>
+                  <a:txBody>
+                    <a:bodyPr/>
+                    <a:lstStyle/>
+                    <a:p>
+                      <a:endParaRPr lang="en-US" sz="2400" dirty="0">
+                        <a:solidFill>
+                          <a:schemeClr val="tx2"/>
+                        </a:solidFill>
+                        <a:latin typeface="Trebuchet MS" panose="020B0703020202090204" pitchFamily="34" charset="0"/>
+                      </a:endParaRPr>
+                    </a:p>
+                  </a:txBody>
+                  <a:tcPr anchor="ctr"/>
+                </a:tc>
+                <a:tc>
+                  <a:txBody>
+                    <a:bodyPr/>
+                    <a:lstStyle/>
+                    <a:p>
+                      <a:pPr algn="l"/>
+                      <a:r>
+                        <a:rPr lang="en-US" sz="2400" dirty="0">
+                          <a:solidFill>
+                            <a:schemeClr val="tx1"/>
+                          </a:solidFill>
+                          <a:latin typeface="Trebuchet MS" panose="020B0703020202090204" pitchFamily="34" charset="0"/>
+                        </a:rPr>
+                        <a:t>Old Agent</a:t>
+                      </a:r>
+                    </a:p>
+                  </a:txBody>
+                  <a:tcPr anchor="ctr"/>
+                </a:tc>
+                <a:tc>
+                  <a:txBody>
+                    <a:bodyPr/>
+                    <a:lstStyle/>
+                    <a:p>
+                      <a:pPr algn="l"/>
+                      <a:r>
+                        <a:rPr lang="en-US" sz="2400" dirty="0">
+                          <a:solidFill>
+                            <a:schemeClr val="tx1"/>
+                          </a:solidFill>
+                          <a:latin typeface="Trebuchet MS" panose="020B0703020202090204" pitchFamily="34" charset="0"/>
+                        </a:rPr>
+                        <a:t>New Agent</a:t>
+                      </a:r>
+                    </a:p>
+                  </a:txBody>
+                  <a:tcPr anchor="ctr"/>
+                </a:tc>
+                <a:extLst>
+                  <a:ext uri="{0D108BD9-81ED-4DB2-BD59-A6C34878D82A}">
+                    <a16:rowId xmlns:a16="http://schemas.microsoft.com/office/drawing/2014/main" val="4008060513"/>
+                  </a:ext>
+                </a:extLst>
+              </a:tr>
+              <a:tr h="404641">
+                <a:tc>
+                  <a:txBody>
+                    <a:bodyPr/>
+                    <a:lstStyle/>
+                    <a:p>
+                      <a:r>
+                        <a:rPr lang="en-US" sz="2400" dirty="0">
+                          <a:solidFill>
+                            <a:schemeClr val="accent1">
+                              <a:lumMod val="50000"/>
+                            </a:schemeClr>
+                          </a:solidFill>
+                          <a:latin typeface="Trebuchet MS" panose="020B0703020202090204" pitchFamily="34" charset="0"/>
+                        </a:rPr>
+                        <a:t>Algorithm</a:t>
+                      </a:r>
+                    </a:p>
+                  </a:txBody>
+                  <a:tcPr anchor="ctr">
+                    <a:noFill/>
+                  </a:tcPr>
+                </a:tc>
+                <a:tc>
+                  <a:txBody>
+                    <a:bodyPr/>
+                    <a:lstStyle/>
+                    <a:p>
+                      <a:r>
+                        <a:rPr lang="en-US" sz="2400" dirty="0">
+                          <a:solidFill>
+                            <a:schemeClr val="tx2"/>
+                          </a:solidFill>
+                          <a:latin typeface="Trebuchet MS" panose="020B0703020202090204" pitchFamily="34" charset="0"/>
+                        </a:rPr>
+                        <a:t>ACER</a:t>
+                      </a:r>
+                    </a:p>
+                  </a:txBody>
+                  <a:tcPr anchor="ctr">
+                    <a:noFill/>
+                  </a:tcPr>
+                </a:tc>
+                <a:tc>
+                  <a:txBody>
+                    <a:bodyPr/>
+                    <a:lstStyle/>
+                    <a:p>
+                      <a:r>
+                        <a:rPr lang="en-US" sz="2400" dirty="0">
+                          <a:solidFill>
+                            <a:schemeClr val="tx2"/>
+                          </a:solidFill>
+                          <a:latin typeface="Trebuchet MS" panose="020B0703020202090204" pitchFamily="34" charset="0"/>
+                        </a:rPr>
+                        <a:t>Prioritized DDQN</a:t>
+                      </a:r>
+                    </a:p>
+                  </a:txBody>
+                  <a:tcPr anchor="ctr">
+                    <a:noFill/>
+                  </a:tcPr>
+                </a:tc>
+                <a:extLst>
+                  <a:ext uri="{0D108BD9-81ED-4DB2-BD59-A6C34878D82A}">
+                    <a16:rowId xmlns:a16="http://schemas.microsoft.com/office/drawing/2014/main" val="1021160440"/>
+                  </a:ext>
+                </a:extLst>
+              </a:tr>
+              <a:tr h="1375778">
+                <a:tc>
+                  <a:txBody>
+                    <a:bodyPr/>
+                    <a:lstStyle/>
+                    <a:p>
+                      <a:r>
+                        <a:rPr lang="en-US" sz="2400" dirty="0">
+                          <a:solidFill>
+                            <a:schemeClr val="accent1">
+                              <a:lumMod val="50000"/>
+                            </a:schemeClr>
+                          </a:solidFill>
+                          <a:latin typeface="Trebuchet MS" panose="020B0703020202090204" pitchFamily="34" charset="0"/>
+                        </a:rPr>
+                        <a:t>Reward</a:t>
+                      </a:r>
+                    </a:p>
+                  </a:txBody>
+                  <a:tcPr anchor="ctr">
+                    <a:noFill/>
+                  </a:tcPr>
+                </a:tc>
+                <a:tc>
+                  <a:txBody>
+                    <a:bodyPr/>
+                    <a:lstStyle/>
+                    <a:p>
+                      <a:r>
+                        <a:rPr lang="en-US" sz="2400" dirty="0">
+                          <a:solidFill>
+                            <a:schemeClr val="tx2"/>
+                          </a:solidFill>
+                          <a:latin typeface="Trebuchet MS" panose="020B0703020202090204" pitchFamily="34" charset="0"/>
+                        </a:rPr>
+                        <a:t>Forward velocity</a:t>
+                      </a:r>
+                    </a:p>
+                    <a:p>
+                      <a:r>
+                        <a:rPr lang="en-US" sz="2400" dirty="0">
+                          <a:solidFill>
+                            <a:schemeClr val="tx2"/>
+                          </a:solidFill>
+                          <a:latin typeface="Trebuchet MS" panose="020B0703020202090204" pitchFamily="34" charset="0"/>
+                        </a:rPr>
+                        <a:t>Torso height penalty</a:t>
+                      </a:r>
+                    </a:p>
+                    <a:p>
+                      <a:r>
+                        <a:rPr lang="en-US" sz="2400" dirty="0">
+                          <a:solidFill>
+                            <a:schemeClr val="tx2"/>
+                          </a:solidFill>
+                          <a:latin typeface="Trebuchet MS" panose="020B0703020202090204" pitchFamily="34" charset="0"/>
+                        </a:rPr>
+                        <a:t>Torso bouncing penalty </a:t>
+                      </a:r>
+                    </a:p>
+                    <a:p>
+                      <a:r>
+                        <a:rPr lang="en-US" sz="2400" dirty="0">
+                          <a:solidFill>
+                            <a:schemeClr val="tx2"/>
+                          </a:solidFill>
+                          <a:latin typeface="Trebuchet MS" panose="020B0703020202090204" pitchFamily="34" charset="0"/>
+                        </a:rPr>
+                        <a:t>Knee angle penalty </a:t>
+                      </a:r>
+                    </a:p>
+                  </a:txBody>
+                  <a:tcPr anchor="ctr">
+                    <a:noFill/>
+                  </a:tcPr>
+                </a:tc>
+                <a:tc>
+                  <a:txBody>
+                    <a:bodyPr/>
+                    <a:lstStyle/>
+                    <a:p>
+                      <a:r>
+                        <a:rPr lang="en-US" sz="2400" dirty="0">
+                          <a:solidFill>
+                            <a:schemeClr val="tx2"/>
+                          </a:solidFill>
+                          <a:latin typeface="Trebuchet MS" panose="020B0703020202090204" pitchFamily="34" charset="0"/>
+                        </a:rPr>
+                        <a:t>Forward velocity</a:t>
+                      </a:r>
+                    </a:p>
+                  </a:txBody>
+                  <a:tcPr anchor="ctr">
+                    <a:noFill/>
+                  </a:tcPr>
+                </a:tc>
+                <a:extLst>
+                  <a:ext uri="{0D108BD9-81ED-4DB2-BD59-A6C34878D82A}">
+                    <a16:rowId xmlns:a16="http://schemas.microsoft.com/office/drawing/2014/main" val="3619127957"/>
+                  </a:ext>
+                </a:extLst>
+              </a:tr>
+              <a:tr h="728353">
+                <a:tc>
+                  <a:txBody>
+                    <a:bodyPr/>
+                    <a:lstStyle/>
+                    <a:p>
+                      <a:r>
+                        <a:rPr lang="en-US" sz="2400" dirty="0">
+                          <a:solidFill>
+                            <a:schemeClr val="accent1">
+                              <a:lumMod val="50000"/>
+                            </a:schemeClr>
+                          </a:solidFill>
+                          <a:latin typeface="Trebuchet MS" panose="020B0703020202090204" pitchFamily="34" charset="0"/>
+                        </a:rPr>
+                        <a:t>Actions per second</a:t>
+                      </a:r>
+                    </a:p>
+                  </a:txBody>
+                  <a:tcPr anchor="ctr">
+                    <a:noFill/>
+                  </a:tcPr>
+                </a:tc>
+                <a:tc>
+                  <a:txBody>
+                    <a:bodyPr/>
+                    <a:lstStyle/>
+                    <a:p>
+                      <a:r>
+                        <a:rPr lang="en-US" sz="2400" dirty="0">
+                          <a:solidFill>
+                            <a:schemeClr val="tx2"/>
+                          </a:solidFill>
+                          <a:latin typeface="Trebuchet MS" panose="020B0703020202090204" pitchFamily="34" charset="0"/>
+                        </a:rPr>
+                        <a:t>~9 </a:t>
+                      </a:r>
+                    </a:p>
+                  </a:txBody>
+                  <a:tcPr anchor="ctr">
+                    <a:noFill/>
+                  </a:tcPr>
+                </a:tc>
+                <a:tc>
+                  <a:txBody>
+                    <a:bodyPr/>
+                    <a:lstStyle/>
+                    <a:p>
+                      <a:r>
+                        <a:rPr lang="en-US" sz="2400" dirty="0">
+                          <a:solidFill>
+                            <a:schemeClr val="tx2"/>
+                          </a:solidFill>
+                          <a:latin typeface="Trebuchet MS" panose="020B0703020202090204" pitchFamily="34" charset="0"/>
+                        </a:rPr>
+                        <a:t>Training: ~18</a:t>
+                      </a:r>
+                    </a:p>
+                    <a:p>
+                      <a:r>
+                        <a:rPr lang="en-US" sz="2400" dirty="0">
+                          <a:solidFill>
+                            <a:schemeClr val="tx2"/>
+                          </a:solidFill>
+                          <a:latin typeface="Trebuchet MS" panose="020B0703020202090204" pitchFamily="34" charset="0"/>
+                        </a:rPr>
+                        <a:t>Testing: ~25</a:t>
+                      </a:r>
+                    </a:p>
+                  </a:txBody>
+                  <a:tcPr anchor="ctr">
+                    <a:noFill/>
+                  </a:tcPr>
+                </a:tc>
+                <a:extLst>
+                  <a:ext uri="{0D108BD9-81ED-4DB2-BD59-A6C34878D82A}">
+                    <a16:rowId xmlns:a16="http://schemas.microsoft.com/office/drawing/2014/main" val="3393457836"/>
+                  </a:ext>
+                </a:extLst>
+              </a:tr>
+              <a:tr h="728353">
+                <a:tc>
+                  <a:txBody>
+                    <a:bodyPr/>
+                    <a:lstStyle/>
+                    <a:p>
+                      <a:r>
+                        <a:rPr lang="en-US" sz="2400" dirty="0">
+                          <a:solidFill>
+                            <a:schemeClr val="accent1">
+                              <a:lumMod val="50000"/>
+                            </a:schemeClr>
+                          </a:solidFill>
+                          <a:latin typeface="Trebuchet MS" panose="020B0703020202090204" pitchFamily="34" charset="0"/>
+                        </a:rPr>
+                        <a:t>Learning</a:t>
+                      </a:r>
+                    </a:p>
+                  </a:txBody>
+                  <a:tcPr anchor="ctr">
+                    <a:noFill/>
+                  </a:tcPr>
+                </a:tc>
+                <a:tc>
+                  <a:txBody>
+                    <a:bodyPr/>
+                    <a:lstStyle/>
+                    <a:p>
+                      <a:r>
+                        <a:rPr lang="en-US" sz="2400" dirty="0" err="1">
+                          <a:solidFill>
+                            <a:schemeClr val="tx2"/>
+                          </a:solidFill>
+                          <a:latin typeface="Trebuchet MS" panose="020B0703020202090204" pitchFamily="34" charset="0"/>
+                        </a:rPr>
+                        <a:t>Kurodo’s</a:t>
+                      </a:r>
+                      <a:r>
+                        <a:rPr lang="en-US" sz="2400" dirty="0">
+                          <a:solidFill>
+                            <a:schemeClr val="tx2"/>
+                          </a:solidFill>
+                          <a:latin typeface="Trebuchet MS" panose="020B0703020202090204" pitchFamily="34" charset="0"/>
+                        </a:rPr>
+                        <a:t> runs</a:t>
+                      </a:r>
+                    </a:p>
+                    <a:p>
+                      <a:r>
+                        <a:rPr lang="en-US" sz="2400" dirty="0">
+                          <a:solidFill>
+                            <a:schemeClr val="tx2"/>
+                          </a:solidFill>
+                          <a:latin typeface="Trebuchet MS" panose="020B0703020202090204" pitchFamily="34" charset="0"/>
+                        </a:rPr>
+                        <a:t>Self-learning</a:t>
+                      </a:r>
+                    </a:p>
+                  </a:txBody>
+                  <a:tcPr anchor="ctr">
+                    <a:noFill/>
+                  </a:tcPr>
+                </a:tc>
+                <a:tc>
+                  <a:txBody>
+                    <a:bodyPr/>
+                    <a:lstStyle/>
+                    <a:p>
+                      <a:r>
+                        <a:rPr lang="en-US" sz="2400" dirty="0">
+                          <a:solidFill>
+                            <a:schemeClr val="tx2"/>
+                          </a:solidFill>
+                          <a:latin typeface="Trebuchet MS" panose="020B0703020202090204" pitchFamily="34" charset="0"/>
+                        </a:rPr>
+                        <a:t>ACER’s runs</a:t>
+                      </a:r>
+                    </a:p>
+                    <a:p>
+                      <a:r>
+                        <a:rPr lang="en-US" sz="2400" dirty="0">
+                          <a:solidFill>
+                            <a:schemeClr val="tx2"/>
+                          </a:solidFill>
+                          <a:latin typeface="Trebuchet MS" panose="020B0703020202090204" pitchFamily="34" charset="0"/>
+                        </a:rPr>
+                        <a:t>Self-learning</a:t>
+                      </a:r>
+                    </a:p>
+                  </a:txBody>
+                  <a:tcPr anchor="ctr">
+                    <a:noFill/>
+                  </a:tcPr>
+                </a:tc>
+                <a:extLst>
+                  <a:ext uri="{0D108BD9-81ED-4DB2-BD59-A6C34878D82A}">
+                    <a16:rowId xmlns:a16="http://schemas.microsoft.com/office/drawing/2014/main" val="1440210217"/>
+                  </a:ext>
+                </a:extLst>
+              </a:tr>
+              <a:tr h="707815">
+                <a:tc>
+                  <a:txBody>
+                    <a:bodyPr/>
+                    <a:lstStyle/>
+                    <a:p>
+                      <a:r>
+                        <a:rPr lang="en-US" sz="2400" dirty="0">
+                          <a:solidFill>
+                            <a:schemeClr val="accent1">
+                              <a:lumMod val="50000"/>
+                            </a:schemeClr>
+                          </a:solidFill>
+                          <a:latin typeface="Trebuchet MS" panose="020B0703020202090204" pitchFamily="34" charset="0"/>
+                        </a:rPr>
+                        <a:t>Training time</a:t>
+                      </a:r>
+                    </a:p>
+                  </a:txBody>
+                  <a:tcPr anchor="ctr">
+                    <a:solidFill>
+                      <a:schemeClr val="accent4">
+                        <a:lumMod val="20000"/>
+                        <a:lumOff val="80000"/>
+                      </a:schemeClr>
+                    </a:solidFill>
+                  </a:tcPr>
+                </a:tc>
+                <a:tc>
+                  <a:txBody>
+                    <a:bodyPr/>
+                    <a:lstStyle/>
+                    <a:p>
+                      <a:r>
+                        <a:rPr lang="en-US" sz="2400" dirty="0">
+                          <a:solidFill>
+                            <a:schemeClr val="tx2"/>
+                          </a:solidFill>
+                          <a:latin typeface="Trebuchet MS" panose="020B0703020202090204" pitchFamily="34" charset="0"/>
+                        </a:rPr>
+                        <a:t>~65 hours</a:t>
+                      </a:r>
+                    </a:p>
+                  </a:txBody>
+                  <a:tcPr anchor="ctr">
+                    <a:solidFill>
+                      <a:schemeClr val="accent4">
+                        <a:lumMod val="20000"/>
+                        <a:lumOff val="80000"/>
+                      </a:schemeClr>
+                    </a:solidFill>
+                  </a:tcPr>
+                </a:tc>
+                <a:tc>
+                  <a:txBody>
+                    <a:bodyPr/>
+                    <a:lstStyle/>
+                    <a:p>
+                      <a:r>
+                        <a:rPr lang="en-US" sz="2400" dirty="0">
+                          <a:solidFill>
+                            <a:schemeClr val="tx2"/>
+                          </a:solidFill>
+                          <a:latin typeface="Trebuchet MS" panose="020B0703020202090204" pitchFamily="34" charset="0"/>
+                        </a:rPr>
+                        <a:t>~40 hours</a:t>
+                      </a:r>
+                    </a:p>
+                  </a:txBody>
+                  <a:tcPr anchor="ctr">
+                    <a:solidFill>
+                      <a:schemeClr val="accent4">
+                        <a:lumMod val="20000"/>
+                        <a:lumOff val="80000"/>
+                      </a:schemeClr>
+                    </a:solidFill>
+                  </a:tcPr>
+                </a:tc>
+                <a:extLst>
+                  <a:ext uri="{0D108BD9-81ED-4DB2-BD59-A6C34878D82A}">
+                    <a16:rowId xmlns:a16="http://schemas.microsoft.com/office/drawing/2014/main" val="1344373920"/>
+                  </a:ext>
+                </a:extLst>
+              </a:tr>
+            </a:tbl>
+          </a:graphicData>
+        </a:graphic>
+      </p:graphicFrame>
+      <p:pic>
+        <p:nvPicPr>
+          <p:cNvPr id="47139" name="Picture 35" descr="Naruto Run GIFs - Get the best GIF on GIPHY">
+            <a:extLst>
+              <a:ext uri="{FF2B5EF4-FFF2-40B4-BE49-F238E27FC236}">
+                <a16:creationId xmlns:a16="http://schemas.microsoft.com/office/drawing/2014/main" id="{B0814E8B-90FB-6244-8632-317809D239D9}"/>
+              </a:ext>
+            </a:extLst>
+          </p:cNvPr>
+          <p:cNvPicPr>
+            <a:picLocks noChangeAspect="1" noChangeArrowheads="1"/>
+          </p:cNvPicPr>
+          <p:nvPr/>
+        </p:nvPicPr>
+        <p:blipFill rotWithShape="1">
+          <a:blip r:embed="rId8">
+            <a:extLst>
+              <a:ext uri="{28A0092B-C50C-407E-A947-70E740481C1C}">
+                <a14:useLocalDpi xmlns:a14="http://schemas.microsoft.com/office/drawing/2010/main" val="0"/>
+              </a:ext>
+            </a:extLst>
+          </a:blip>
+          <a:srcRect l="13603" r="11357"/>
+          <a:stretch/>
+        </p:blipFill>
+        <p:spPr bwMode="auto">
+          <a:xfrm flipH="1">
+            <a:off x="7924800" y="228120"/>
+            <a:ext cx="2146300" cy="1345960"/>
+          </a:xfrm>
+          <a:prstGeom prst="rect">
+            <a:avLst/>
+          </a:prstGeom>
+          <a:noFill/>
+          <a:ln>
+            <a:solidFill>
+              <a:schemeClr val="tx1"/>
+            </a:solidFill>
+          </a:ln>
+          <a:extLst>
+            <a:ext uri="{909E8E84-426E-40DD-AFC4-6F175D3DCCD1}">
+              <a14:hiddenFill xmlns:a14="http://schemas.microsoft.com/office/drawing/2010/main">
+                <a:solidFill>
+                  <a:srgbClr val="FFFFFF"/>
+                </a:solidFill>
+              </a14:hiddenFill>
+            </a:ext>
+          </a:extLst>
+        </p:spPr>
+      </p:pic>
+    </p:spTree>
+    <p:extLst>
+      <p:ext uri="{BB962C8B-B14F-4D97-AF65-F5344CB8AC3E}">
+        <p14:creationId xmlns:p14="http://schemas.microsoft.com/office/powerpoint/2010/main" val="1224868503"/>
+      </p:ext>
+    </p:extLst>
+  </p:cSld>
+  <p:clrMapOvr>
+    <a:masterClrMapping/>
+  </p:clrMapOvr>
+</p:sld>
+</file>
+
 <file path=ppt/tags/tag1.xml><?xml version="1.0" encoding="utf-8"?>
 <p:tagLst xmlns:a="http://schemas.openxmlformats.org/drawingml/2006/main" xmlns:r="http://schemas.openxmlformats.org/officeDocument/2006/relationships" xmlns:p="http://schemas.openxmlformats.org/presentationml/2006/main">
   <p:tag name="THINKCELLUNDODONOTDELETE" val="0"/>
@@ -8199,12 +8276,6 @@
 </file>
 
 <file path=ppt/tags/tag12.xml><?xml version="1.0" encoding="utf-8"?>
-<p:tagLst xmlns:a="http://schemas.openxmlformats.org/drawingml/2006/main" xmlns:r="http://schemas.openxmlformats.org/officeDocument/2006/relationships" xmlns:p="http://schemas.openxmlformats.org/presentationml/2006/main">
-  <p:tag name="THINKCELLSHAPEDONOTDELETE" val="thinkcellActiveDocDoNotDelete"/>
-</p:tagLst>
-</file>
-
-<file path=ppt/tags/tag13.xml><?xml version="1.0" encoding="utf-8"?>
 <p:tagLst xmlns:a="http://schemas.openxmlformats.org/drawingml/2006/main" xmlns:r="http://schemas.openxmlformats.org/officeDocument/2006/relationships" xmlns:p="http://schemas.openxmlformats.org/presentationml/2006/main">
   <p:tag name="THINKCELLSHAPEDONOTDELETE" val="thinkcellActiveDocDoNotDelete"/>
 </p:tagLst>
